--- a/Documentation/Slides/Week_9.pptx
+++ b/Documentation/Slides/Week_9.pptx
@@ -5,7 +5,7 @@
     <p:sldMasterId id="2147483648" r:id="rId4"/>
   </p:sldMasterIdLst>
   <p:notesMasterIdLst>
-    <p:notesMasterId r:id="rId15"/>
+    <p:notesMasterId r:id="rId16"/>
   </p:notesMasterIdLst>
   <p:sldIdLst>
     <p:sldId id="267" r:id="rId5"/>
@@ -14,39 +14,40 @@
     <p:sldId id="285" r:id="rId8"/>
     <p:sldId id="281" r:id="rId9"/>
     <p:sldId id="282" r:id="rId10"/>
-    <p:sldId id="283" r:id="rId11"/>
-    <p:sldId id="286" r:id="rId12"/>
-    <p:sldId id="278" r:id="rId13"/>
-    <p:sldId id="277" r:id="rId14"/>
+    <p:sldId id="287" r:id="rId11"/>
+    <p:sldId id="283" r:id="rId12"/>
+    <p:sldId id="286" r:id="rId13"/>
+    <p:sldId id="278" r:id="rId14"/>
+    <p:sldId id="277" r:id="rId15"/>
   </p:sldIdLst>
   <p:sldSz cx="9144000" cy="6858000" type="screen4x3"/>
   <p:notesSz cx="6858000" cy="9144000"/>
   <p:embeddedFontLst>
     <p:embeddedFont>
-      <p:font typeface="Acumin Pro Condensed Semibold" panose="020B0706020202020204" pitchFamily="34" charset="77"/>
-      <p:regular r:id="rId16"/>
-      <p:bold r:id="rId17"/>
-      <p:italic r:id="rId18"/>
-      <p:boldItalic r:id="rId19"/>
+      <p:font typeface="Acumin Pro Condensed Semibold" panose="020B0604020202020204" charset="0"/>
+      <p:regular r:id="rId17"/>
+      <p:bold r:id="rId18"/>
+      <p:italic r:id="rId19"/>
+      <p:boldItalic r:id="rId20"/>
     </p:embeddedFont>
     <p:embeddedFont>
-      <p:font typeface="Acumin Pro Medium" panose="020B0604020202020204" pitchFamily="34" charset="77"/>
-      <p:regular r:id="rId20"/>
-      <p:italic r:id="rId21"/>
+      <p:font typeface="Acumin Pro Medium" panose="020B0604020202020204" charset="0"/>
+      <p:regular r:id="rId21"/>
+      <p:italic r:id="rId22"/>
     </p:embeddedFont>
     <p:embeddedFont>
       <p:font typeface="Franklin Gothic Book" panose="020B0503020102020204" pitchFamily="34" charset="0"/>
-      <p:regular r:id="rId22"/>
-      <p:italic r:id="rId23"/>
+      <p:regular r:id="rId23"/>
+      <p:italic r:id="rId24"/>
     </p:embeddedFont>
     <p:embeddedFont>
       <p:font typeface="Franklin Gothic Medium" panose="020B0603020102020204" pitchFamily="34" charset="0"/>
-      <p:regular r:id="rId24"/>
-      <p:italic r:id="rId25"/>
+      <p:regular r:id="rId25"/>
+      <p:italic r:id="rId26"/>
     </p:embeddedFont>
     <p:embeddedFont>
       <p:font typeface="Franklin Gothic Medium Cond" panose="020B0606030402020204" pitchFamily="34" charset="0"/>
-      <p:regular r:id="rId26"/>
+      <p:regular r:id="rId27"/>
     </p:embeddedFont>
   </p:embeddedFontLst>
   <p:defaultTextStyle>
@@ -251,7 +252,7 @@
           <a:p>
             <a:fld id="{01926CF7-48D8-2F46-AFC8-8A5D2298DFDD}" type="datetimeFigureOut">
               <a:rPr lang="en-US" smtClean="0"/>
-              <a:t>11/10/25</a:t>
+              <a:t>11/10/2025</a:t>
             </a:fld>
             <a:endParaRPr lang="en-US"/>
           </a:p>
@@ -13615,6 +13616,149 @@
       </p:grpSpPr>
       <p:sp>
         <p:nvSpPr>
+          <p:cNvPr id="2" name="Text Placeholder 1">
+            <a:extLst>
+              <a:ext uri="{FF2B5EF4-FFF2-40B4-BE49-F238E27FC236}">
+                <a16:creationId xmlns:a16="http://schemas.microsoft.com/office/drawing/2014/main" id="{11B29CAD-3B43-3BC0-D2EC-A53874ABB884}"/>
+              </a:ext>
+            </a:extLst>
+          </p:cNvPr>
+          <p:cNvSpPr>
+            <a:spLocks noGrp="1"/>
+          </p:cNvSpPr>
+          <p:nvPr>
+            <p:ph type="body" sz="quarter" idx="11"/>
+          </p:nvPr>
+        </p:nvSpPr>
+        <p:spPr/>
+        <p:txBody>
+          <a:bodyPr/>
+          <a:lstStyle/>
+          <a:p>
+            <a:r>
+              <a:rPr lang="en-US" dirty="0"/>
+              <a:t>Blockers &amp; Next Week’s Work</a:t>
+            </a:r>
+          </a:p>
+        </p:txBody>
+      </p:sp>
+      <p:sp>
+        <p:nvSpPr>
+          <p:cNvPr id="3" name="Text Placeholder 2">
+            <a:extLst>
+              <a:ext uri="{FF2B5EF4-FFF2-40B4-BE49-F238E27FC236}">
+                <a16:creationId xmlns:a16="http://schemas.microsoft.com/office/drawing/2014/main" id="{A9F87380-04A3-DD16-EAB3-0921830BDF50}"/>
+              </a:ext>
+            </a:extLst>
+          </p:cNvPr>
+          <p:cNvSpPr>
+            <a:spLocks noGrp="1"/>
+          </p:cNvSpPr>
+          <p:nvPr>
+            <p:ph type="body" sz="quarter" idx="10"/>
+          </p:nvPr>
+        </p:nvSpPr>
+        <p:spPr/>
+        <p:txBody>
+          <a:bodyPr/>
+          <a:lstStyle/>
+          <a:p>
+            <a:r>
+              <a:rPr lang="en-US" dirty="0"/>
+              <a:t>[Insert]</a:t>
+            </a:r>
+          </a:p>
+        </p:txBody>
+      </p:sp>
+      <p:sp>
+        <p:nvSpPr>
+          <p:cNvPr id="4" name="Title 3">
+            <a:extLst>
+              <a:ext uri="{FF2B5EF4-FFF2-40B4-BE49-F238E27FC236}">
+                <a16:creationId xmlns:a16="http://schemas.microsoft.com/office/drawing/2014/main" id="{47D02411-52BC-0A6C-B958-234593BB194F}"/>
+              </a:ext>
+            </a:extLst>
+          </p:cNvPr>
+          <p:cNvSpPr>
+            <a:spLocks noGrp="1"/>
+          </p:cNvSpPr>
+          <p:nvPr>
+            <p:ph type="title"/>
+          </p:nvPr>
+        </p:nvSpPr>
+        <p:spPr/>
+        <p:txBody>
+          <a:bodyPr/>
+          <a:lstStyle/>
+          <a:p>
+            <a:r>
+              <a:rPr lang="en-US" dirty="0"/>
+              <a:t>Next Week</a:t>
+            </a:r>
+          </a:p>
+        </p:txBody>
+      </p:sp>
+      <p:sp>
+        <p:nvSpPr>
+          <p:cNvPr id="5" name="Footer Placeholder 4">
+            <a:extLst>
+              <a:ext uri="{FF2B5EF4-FFF2-40B4-BE49-F238E27FC236}">
+                <a16:creationId xmlns:a16="http://schemas.microsoft.com/office/drawing/2014/main" id="{51BAB307-58AA-C3F2-0BBB-500351B01F7A}"/>
+              </a:ext>
+            </a:extLst>
+          </p:cNvPr>
+          <p:cNvSpPr>
+            <a:spLocks noGrp="1"/>
+          </p:cNvSpPr>
+          <p:nvPr>
+            <p:ph type="ftr" sz="quarter" idx="12"/>
+          </p:nvPr>
+        </p:nvSpPr>
+        <p:spPr/>
+        <p:txBody>
+          <a:bodyPr/>
+          <a:lstStyle/>
+          <a:p>
+            <a:pPr algn="r"/>
+            <a:r>
+              <a:rPr lang="en-US" dirty="0"/>
+              <a:t>6/7</a:t>
+            </a:r>
+          </a:p>
+        </p:txBody>
+      </p:sp>
+    </p:spTree>
+    <p:extLst>
+      <p:ext uri="{BB962C8B-B14F-4D97-AF65-F5344CB8AC3E}">
+        <p14:creationId xmlns:p14="http://schemas.microsoft.com/office/powerpoint/2010/main" val="257444251"/>
+      </p:ext>
+    </p:extLst>
+  </p:cSld>
+  <p:clrMapOvr>
+    <a:masterClrMapping/>
+  </p:clrMapOvr>
+</p:sld>
+</file>
+
+<file path=ppt/slides/slide11.xml><?xml version="1.0" encoding="utf-8"?>
+<p:sld xmlns:a="http://schemas.openxmlformats.org/drawingml/2006/main" xmlns:r="http://schemas.openxmlformats.org/officeDocument/2006/relationships" xmlns:p="http://schemas.openxmlformats.org/presentationml/2006/main">
+  <p:cSld>
+    <p:spTree>
+      <p:nvGrpSpPr>
+        <p:cNvPr id="1" name=""/>
+        <p:cNvGrpSpPr/>
+        <p:nvPr/>
+      </p:nvGrpSpPr>
+      <p:grpSpPr>
+        <a:xfrm>
+          <a:off x="0" y="0"/>
+          <a:ext cx="0" cy="0"/>
+          <a:chOff x="0" y="0"/>
+          <a:chExt cx="0" cy="0"/>
+        </a:xfrm>
+      </p:grpSpPr>
+      <p:sp>
+        <p:nvSpPr>
           <p:cNvPr id="2" name="Title 1">
             <a:extLst>
               <a:ext uri="{FF2B5EF4-FFF2-40B4-BE49-F238E27FC236}">
@@ -13766,27 +13910,7 @@
             </a:pPr>
             <a:r>
               <a:rPr lang="en-US" dirty="0"/>
-              <a:t>Finding Commercial Sensors for Strain and Force </a:t>
-            </a:r>
-          </a:p>
-          <a:p>
-            <a:pPr marL="285750" indent="-285750">
-              <a:buFont typeface="Arial" panose="020B0604020202020204" pitchFamily="34" charset="0"/>
-              <a:buChar char="•"/>
-            </a:pPr>
-            <a:r>
-              <a:rPr lang="en-US" dirty="0"/>
-              <a:t>Sync-up with Professor Karcher</a:t>
-            </a:r>
-          </a:p>
-          <a:p>
-            <a:pPr marL="285750" indent="-285750">
-              <a:buFont typeface="Arial" panose="020B0604020202020204" pitchFamily="34" charset="0"/>
-              <a:buChar char="•"/>
-            </a:pPr>
-            <a:r>
-              <a:rPr lang="en-US" dirty="0"/>
-              <a:t>Order Revision 1 (Baseline PCB)</a:t>
+              <a:t>Finding Commercial Sensors for Strain and Force</a:t>
             </a:r>
           </a:p>
         </p:txBody>
@@ -14231,7 +14355,7 @@
             </a:pPr>
             <a:r>
               <a:rPr lang="en-US" dirty="0"/>
-              <a:t>Strain Gauge</a:t>
+              <a:t>Force Gauge</a:t>
             </a:r>
           </a:p>
           <a:p>
@@ -14239,7 +14363,48 @@
               <a:buFont typeface="Arial" panose="020B0604020202020204" pitchFamily="34" charset="0"/>
               <a:buChar char="•"/>
             </a:pPr>
-            <a:endParaRPr lang="en-US" dirty="0"/>
+            <a:r>
+              <a:rPr lang="en-US" dirty="0" err="1"/>
+              <a:t>FlexiForce</a:t>
+            </a:r>
+            <a:r>
+              <a:rPr lang="en-US" dirty="0"/>
+              <a:t> A201-1</a:t>
+            </a:r>
+          </a:p>
+          <a:p>
+            <a:pPr marL="628650" lvl="1" indent="-285750">
+              <a:buFont typeface="Arial" panose="020B0604020202020204" pitchFamily="34" charset="0"/>
+              <a:buChar char="•"/>
+            </a:pPr>
+            <a:r>
+              <a:rPr lang="en-US" dirty="0"/>
+              <a:t>Interlink FSR 402</a:t>
+            </a:r>
+          </a:p>
+          <a:p>
+            <a:pPr marL="628650" lvl="1" indent="-285750">
+              <a:buFont typeface="Arial" panose="020B0604020202020204" pitchFamily="34" charset="0"/>
+              <a:buChar char="•"/>
+            </a:pPr>
+            <a:r>
+              <a:rPr lang="en-US" dirty="0"/>
+              <a:t>DF9-40 FSR Sensor</a:t>
+            </a:r>
+          </a:p>
+          <a:p>
+            <a:pPr marL="628650" lvl="1" indent="-285750">
+              <a:buFont typeface="Arial" panose="020B0604020202020204" pitchFamily="34" charset="0"/>
+              <a:buChar char="•"/>
+            </a:pPr>
+            <a:r>
+              <a:rPr lang="en-US" dirty="0" err="1"/>
+              <a:t>Tekscan</a:t>
+            </a:r>
+            <a:r>
+              <a:rPr lang="en-US" dirty="0"/>
+              <a:t> A301</a:t>
+            </a:r>
           </a:p>
           <a:p>
             <a:pPr marL="285750" indent="-285750">
@@ -14248,7 +14413,67 @@
             </a:pPr>
             <a:r>
               <a:rPr lang="en-US" dirty="0"/>
-              <a:t>Force Gauge</a:t>
+              <a:t>Strain Gauge:</a:t>
+            </a:r>
+          </a:p>
+          <a:p>
+            <a:pPr marL="628650" lvl="1" indent="-285750">
+              <a:buFont typeface="Arial" panose="020B0604020202020204" pitchFamily="34" charset="0"/>
+              <a:buChar char="•"/>
+            </a:pPr>
+            <a:r>
+              <a:rPr lang="en-US" dirty="0"/>
+              <a:t>Omega SGD-3/350-LY11 </a:t>
+            </a:r>
+          </a:p>
+          <a:p>
+            <a:pPr marL="628650" lvl="1" indent="-285750">
+              <a:buFont typeface="Arial" panose="020B0604020202020204" pitchFamily="34" charset="0"/>
+              <a:buChar char="•"/>
+            </a:pPr>
+            <a:r>
+              <a:rPr lang="en-US" dirty="0"/>
+              <a:t>Vishay CEA-06-250UW-350 </a:t>
+            </a:r>
+          </a:p>
+          <a:p>
+            <a:pPr marL="628650" lvl="1" indent="-285750">
+              <a:buFont typeface="Arial" panose="020B0604020202020204" pitchFamily="34" charset="0"/>
+              <a:buChar char="•"/>
+            </a:pPr>
+            <a:r>
+              <a:rPr lang="en-US" dirty="0"/>
+              <a:t>DF9-40 Capacitive Bend Sensor</a:t>
+            </a:r>
+          </a:p>
+          <a:p>
+            <a:pPr marL="285750" indent="-285750">
+              <a:buFont typeface="Arial" panose="020B0604020202020204" pitchFamily="34" charset="0"/>
+              <a:buChar char="•"/>
+            </a:pPr>
+            <a:r>
+              <a:rPr lang="en-US" dirty="0"/>
+              <a:t>Interface/Read Out Components</a:t>
+            </a:r>
+          </a:p>
+          <a:p>
+            <a:pPr marL="628650" lvl="1" indent="-285750">
+              <a:buFont typeface="Arial" panose="020B0604020202020204" pitchFamily="34" charset="0"/>
+              <a:buChar char="•"/>
+            </a:pPr>
+            <a:r>
+              <a:rPr lang="en-US" dirty="0"/>
+              <a:t>AD623 – Instrumental Amplifier</a:t>
+            </a:r>
+          </a:p>
+          <a:p>
+            <a:pPr marL="628650" lvl="1" indent="-285750">
+              <a:buFont typeface="Arial" panose="020B0604020202020204" pitchFamily="34" charset="0"/>
+              <a:buChar char="•"/>
+            </a:pPr>
+            <a:r>
+              <a:rPr lang="en-US" dirty="0"/>
+              <a:t>HX711 – Load Cell Amplifier</a:t>
             </a:r>
           </a:p>
         </p:txBody>
@@ -14369,25 +14594,25 @@
           <a:p>
             <a:r>
               <a:rPr lang="en-US" dirty="0"/>
-              <a:t>[Insert]</a:t>
-            </a:r>
-          </a:p>
-        </p:txBody>
-      </p:sp>
-      <p:sp>
-        <p:nvSpPr>
-          <p:cNvPr id="3" name="Text Placeholder 2">
-            <a:extLst>
-              <a:ext uri="{FF2B5EF4-FFF2-40B4-BE49-F238E27FC236}">
-                <a16:creationId xmlns:a16="http://schemas.microsoft.com/office/drawing/2014/main" id="{7A77637C-D0D3-2B4A-B25F-48DA64E8A4EB}"/>
-              </a:ext>
-            </a:extLst>
-          </p:cNvPr>
-          <p:cNvSpPr>
-            <a:spLocks noGrp="1"/>
-          </p:cNvSpPr>
-          <p:nvPr>
-            <p:ph type="body" sz="quarter" idx="10"/>
+              <a:t>Resistive vs. Capacitive Force Sensors</a:t>
+            </a:r>
+          </a:p>
+        </p:txBody>
+      </p:sp>
+      <p:sp>
+        <p:nvSpPr>
+          <p:cNvPr id="4" name="Title 3">
+            <a:extLst>
+              <a:ext uri="{FF2B5EF4-FFF2-40B4-BE49-F238E27FC236}">
+                <a16:creationId xmlns:a16="http://schemas.microsoft.com/office/drawing/2014/main" id="{E47103F8-C466-3968-0E4A-AF83A36EDA7E}"/>
+              </a:ext>
+            </a:extLst>
+          </p:cNvPr>
+          <p:cNvSpPr>
+            <a:spLocks noGrp="1"/>
+          </p:cNvSpPr>
+          <p:nvPr>
+            <p:ph type="title"/>
           </p:nvPr>
         </p:nvSpPr>
         <p:spPr/>
@@ -14397,25 +14622,25 @@
           <a:p>
             <a:r>
               <a:rPr lang="en-US" dirty="0"/>
-              <a:t>[Insert]</a:t>
-            </a:r>
-          </a:p>
-        </p:txBody>
-      </p:sp>
-      <p:sp>
-        <p:nvSpPr>
-          <p:cNvPr id="4" name="Title 3">
-            <a:extLst>
-              <a:ext uri="{FF2B5EF4-FFF2-40B4-BE49-F238E27FC236}">
-                <a16:creationId xmlns:a16="http://schemas.microsoft.com/office/drawing/2014/main" id="{E47103F8-C466-3968-0E4A-AF83A36EDA7E}"/>
-              </a:ext>
-            </a:extLst>
-          </p:cNvPr>
-          <p:cNvSpPr>
-            <a:spLocks noGrp="1"/>
-          </p:cNvSpPr>
-          <p:nvPr>
-            <p:ph type="title"/>
+              <a:t>Finding Commercial Sensors for Strain and Force </a:t>
+            </a:r>
+          </a:p>
+        </p:txBody>
+      </p:sp>
+      <p:sp>
+        <p:nvSpPr>
+          <p:cNvPr id="5" name="Footer Placeholder 4">
+            <a:extLst>
+              <a:ext uri="{FF2B5EF4-FFF2-40B4-BE49-F238E27FC236}">
+                <a16:creationId xmlns:a16="http://schemas.microsoft.com/office/drawing/2014/main" id="{80BA84BE-8872-1C97-3E81-88B122370008}"/>
+              </a:ext>
+            </a:extLst>
+          </p:cNvPr>
+          <p:cNvSpPr>
+            <a:spLocks noGrp="1"/>
+          </p:cNvSpPr>
+          <p:nvPr>
+            <p:ph type="ftr" sz="quarter" idx="12"/>
           </p:nvPr>
         </p:nvSpPr>
         <p:spPr/>
@@ -14423,34 +14648,6 @@
           <a:bodyPr/>
           <a:lstStyle/>
           <a:p>
-            <a:r>
-              <a:rPr lang="en-US" dirty="0"/>
-              <a:t>Finding Commercial Sensors for Strain and Force </a:t>
-            </a:r>
-          </a:p>
-        </p:txBody>
-      </p:sp>
-      <p:sp>
-        <p:nvSpPr>
-          <p:cNvPr id="5" name="Footer Placeholder 4">
-            <a:extLst>
-              <a:ext uri="{FF2B5EF4-FFF2-40B4-BE49-F238E27FC236}">
-                <a16:creationId xmlns:a16="http://schemas.microsoft.com/office/drawing/2014/main" id="{80BA84BE-8872-1C97-3E81-88B122370008}"/>
-              </a:ext>
-            </a:extLst>
-          </p:cNvPr>
-          <p:cNvSpPr>
-            <a:spLocks noGrp="1"/>
-          </p:cNvSpPr>
-          <p:nvPr>
-            <p:ph type="ftr" sz="quarter" idx="12"/>
-          </p:nvPr>
-        </p:nvSpPr>
-        <p:spPr/>
-        <p:txBody>
-          <a:bodyPr/>
-          <a:lstStyle/>
-          <a:p>
             <a:pPr algn="r"/>
             <a:r>
               <a:rPr lang="en-US" dirty="0"/>
@@ -14459,6 +14656,690 @@
           </a:p>
         </p:txBody>
       </p:sp>
+      <p:graphicFrame>
+        <p:nvGraphicFramePr>
+          <p:cNvPr id="6" name="Table 5">
+            <a:extLst>
+              <a:ext uri="{FF2B5EF4-FFF2-40B4-BE49-F238E27FC236}">
+                <a16:creationId xmlns:a16="http://schemas.microsoft.com/office/drawing/2014/main" id="{8C22C5F5-BF47-C73E-900A-00EABC7D609B}"/>
+              </a:ext>
+            </a:extLst>
+          </p:cNvPr>
+          <p:cNvGraphicFramePr>
+            <a:graphicFrameLocks noGrp="1"/>
+          </p:cNvGraphicFramePr>
+          <p:nvPr>
+            <p:extLst>
+              <p:ext uri="{D42A27DB-BD31-4B8C-83A1-F6EECF244321}">
+                <p14:modId xmlns:p14="http://schemas.microsoft.com/office/powerpoint/2010/main" val="1936984000"/>
+              </p:ext>
+            </p:extLst>
+          </p:nvPr>
+        </p:nvGraphicFramePr>
+        <p:xfrm>
+          <a:off x="342899" y="1320051"/>
+          <a:ext cx="8458200" cy="4718358"/>
+        </p:xfrm>
+        <a:graphic>
+          <a:graphicData uri="http://schemas.openxmlformats.org/drawingml/2006/table">
+            <a:tbl>
+              <a:tblPr firstRow="1" bandRow="1">
+                <a:tableStyleId>{5C22544A-7EE6-4342-B048-85BDC9FD1C3A}</a:tableStyleId>
+              </a:tblPr>
+              <a:tblGrid>
+                <a:gridCol w="1691640">
+                  <a:extLst>
+                    <a:ext uri="{9D8B030D-6E8A-4147-A177-3AD203B41FA5}">
+                      <a16:colId xmlns:a16="http://schemas.microsoft.com/office/drawing/2014/main" val="1538915907"/>
+                    </a:ext>
+                  </a:extLst>
+                </a:gridCol>
+                <a:gridCol w="1691640">
+                  <a:extLst>
+                    <a:ext uri="{9D8B030D-6E8A-4147-A177-3AD203B41FA5}">
+                      <a16:colId xmlns:a16="http://schemas.microsoft.com/office/drawing/2014/main" val="2849397471"/>
+                    </a:ext>
+                  </a:extLst>
+                </a:gridCol>
+                <a:gridCol w="1691640">
+                  <a:extLst>
+                    <a:ext uri="{9D8B030D-6E8A-4147-A177-3AD203B41FA5}">
+                      <a16:colId xmlns:a16="http://schemas.microsoft.com/office/drawing/2014/main" val="1051046754"/>
+                    </a:ext>
+                  </a:extLst>
+                </a:gridCol>
+                <a:gridCol w="1691640">
+                  <a:extLst>
+                    <a:ext uri="{9D8B030D-6E8A-4147-A177-3AD203B41FA5}">
+                      <a16:colId xmlns:a16="http://schemas.microsoft.com/office/drawing/2014/main" val="2740336631"/>
+                    </a:ext>
+                  </a:extLst>
+                </a:gridCol>
+                <a:gridCol w="1691640">
+                  <a:extLst>
+                    <a:ext uri="{9D8B030D-6E8A-4147-A177-3AD203B41FA5}">
+                      <a16:colId xmlns:a16="http://schemas.microsoft.com/office/drawing/2014/main" val="2553087240"/>
+                    </a:ext>
+                  </a:extLst>
+                </a:gridCol>
+              </a:tblGrid>
+              <a:tr h="668283">
+                <a:tc>
+                  <a:txBody>
+                    <a:bodyPr/>
+                    <a:lstStyle/>
+                    <a:p>
+                      <a:pPr>
+                        <a:buNone/>
+                      </a:pPr>
+                      <a:r>
+                        <a:rPr lang="en-US" dirty="0"/>
+                        <a:t>Sensor</a:t>
+                      </a:r>
+                    </a:p>
+                  </a:txBody>
+                  <a:tcPr anchor="ctr"/>
+                </a:tc>
+                <a:tc>
+                  <a:txBody>
+                    <a:bodyPr/>
+                    <a:lstStyle/>
+                    <a:p>
+                      <a:pPr>
+                        <a:buNone/>
+                      </a:pPr>
+                      <a:r>
+                        <a:rPr lang="en-US"/>
+                        <a:t>Type</a:t>
+                      </a:r>
+                    </a:p>
+                  </a:txBody>
+                  <a:tcPr anchor="ctr"/>
+                </a:tc>
+                <a:tc>
+                  <a:txBody>
+                    <a:bodyPr/>
+                    <a:lstStyle/>
+                    <a:p>
+                      <a:pPr>
+                        <a:buNone/>
+                      </a:pPr>
+                      <a:r>
+                        <a:rPr lang="en-US"/>
+                        <a:t>Force Range</a:t>
+                      </a:r>
+                    </a:p>
+                  </a:txBody>
+                  <a:tcPr anchor="ctr"/>
+                </a:tc>
+                <a:tc>
+                  <a:txBody>
+                    <a:bodyPr/>
+                    <a:lstStyle/>
+                    <a:p>
+                      <a:pPr>
+                        <a:buNone/>
+                      </a:pPr>
+                      <a:r>
+                        <a:rPr lang="en-US"/>
+                        <a:t>Sensitivity</a:t>
+                      </a:r>
+                    </a:p>
+                  </a:txBody>
+                  <a:tcPr anchor="ctr"/>
+                </a:tc>
+                <a:tc>
+                  <a:txBody>
+                    <a:bodyPr/>
+                    <a:lstStyle/>
+                    <a:p>
+                      <a:pPr>
+                        <a:buNone/>
+                      </a:pPr>
+                      <a:r>
+                        <a:rPr lang="en-US"/>
+                        <a:t>Approx. Cost</a:t>
+                      </a:r>
+                    </a:p>
+                  </a:txBody>
+                  <a:tcPr anchor="ctr"/>
+                </a:tc>
+                <a:extLst>
+                  <a:ext uri="{0D108BD9-81ED-4DB2-BD59-A6C34878D82A}">
+                    <a16:rowId xmlns:a16="http://schemas.microsoft.com/office/drawing/2014/main" val="1923534380"/>
+                  </a:ext>
+                </a:extLst>
+              </a:tr>
+              <a:tr h="668283">
+                <a:tc>
+                  <a:txBody>
+                    <a:bodyPr/>
+                    <a:lstStyle/>
+                    <a:p>
+                      <a:pPr>
+                        <a:buNone/>
+                      </a:pPr>
+                      <a:r>
+                        <a:rPr lang="en-US" dirty="0" err="1"/>
+                        <a:t>FlexiForce</a:t>
+                      </a:r>
+                      <a:r>
+                        <a:rPr lang="en-US" dirty="0"/>
+                        <a:t> A201-1</a:t>
+                      </a:r>
+                    </a:p>
+                  </a:txBody>
+                  <a:tcPr anchor="ctr"/>
+                </a:tc>
+                <a:tc>
+                  <a:txBody>
+                    <a:bodyPr/>
+                    <a:lstStyle/>
+                    <a:p>
+                      <a:pPr>
+                        <a:buNone/>
+                      </a:pPr>
+                      <a:r>
+                        <a:rPr lang="en-US"/>
+                        <a:t>Resistive</a:t>
+                      </a:r>
+                    </a:p>
+                  </a:txBody>
+                  <a:tcPr anchor="ctr"/>
+                </a:tc>
+                <a:tc>
+                  <a:txBody>
+                    <a:bodyPr/>
+                    <a:lstStyle/>
+                    <a:p>
+                      <a:pPr>
+                        <a:buNone/>
+                      </a:pPr>
+                      <a:r>
+                        <a:rPr lang="en-US" dirty="0"/>
+                        <a:t>0–4.4 N</a:t>
+                      </a:r>
+                    </a:p>
+                  </a:txBody>
+                  <a:tcPr anchor="ctr"/>
+                </a:tc>
+                <a:tc>
+                  <a:txBody>
+                    <a:bodyPr/>
+                    <a:lstStyle/>
+                    <a:p>
+                      <a:pPr>
+                        <a:buNone/>
+                      </a:pPr>
+                      <a:r>
+                        <a:rPr lang="en-US"/>
+                        <a:t>High</a:t>
+                      </a:r>
+                    </a:p>
+                  </a:txBody>
+                  <a:tcPr anchor="ctr"/>
+                </a:tc>
+                <a:tc>
+                  <a:txBody>
+                    <a:bodyPr/>
+                    <a:lstStyle/>
+                    <a:p>
+                      <a:pPr>
+                        <a:buNone/>
+                      </a:pPr>
+                      <a:r>
+                        <a:rPr lang="en-US" dirty="0"/>
+                        <a:t>~$8</a:t>
+                      </a:r>
+                    </a:p>
+                  </a:txBody>
+                  <a:tcPr anchor="ctr"/>
+                </a:tc>
+                <a:extLst>
+                  <a:ext uri="{0D108BD9-81ED-4DB2-BD59-A6C34878D82A}">
+                    <a16:rowId xmlns:a16="http://schemas.microsoft.com/office/drawing/2014/main" val="4187445752"/>
+                  </a:ext>
+                </a:extLst>
+              </a:tr>
+              <a:tr h="668283">
+                <a:tc>
+                  <a:txBody>
+                    <a:bodyPr/>
+                    <a:lstStyle/>
+                    <a:p>
+                      <a:pPr>
+                        <a:buNone/>
+                      </a:pPr>
+                      <a:r>
+                        <a:rPr lang="en-US"/>
+                        <a:t>FlexiForce A201-100</a:t>
+                      </a:r>
+                    </a:p>
+                  </a:txBody>
+                  <a:tcPr anchor="ctr"/>
+                </a:tc>
+                <a:tc>
+                  <a:txBody>
+                    <a:bodyPr/>
+                    <a:lstStyle/>
+                    <a:p>
+                      <a:pPr>
+                        <a:buNone/>
+                      </a:pPr>
+                      <a:r>
+                        <a:rPr lang="en-US"/>
+                        <a:t>Resistive</a:t>
+                      </a:r>
+                    </a:p>
+                  </a:txBody>
+                  <a:tcPr anchor="ctr"/>
+                </a:tc>
+                <a:tc>
+                  <a:txBody>
+                    <a:bodyPr/>
+                    <a:lstStyle/>
+                    <a:p>
+                      <a:pPr>
+                        <a:buNone/>
+                      </a:pPr>
+                      <a:r>
+                        <a:rPr lang="en-US"/>
+                        <a:t>0–445 N</a:t>
+                      </a:r>
+                    </a:p>
+                  </a:txBody>
+                  <a:tcPr anchor="ctr"/>
+                </a:tc>
+                <a:tc>
+                  <a:txBody>
+                    <a:bodyPr/>
+                    <a:lstStyle/>
+                    <a:p>
+                      <a:pPr>
+                        <a:buNone/>
+                      </a:pPr>
+                      <a:r>
+                        <a:rPr lang="en-US"/>
+                        <a:t>Moderate</a:t>
+                      </a:r>
+                    </a:p>
+                  </a:txBody>
+                  <a:tcPr anchor="ctr"/>
+                </a:tc>
+                <a:tc>
+                  <a:txBody>
+                    <a:bodyPr/>
+                    <a:lstStyle/>
+                    <a:p>
+                      <a:pPr>
+                        <a:buNone/>
+                      </a:pPr>
+                      <a:r>
+                        <a:rPr lang="en-US"/>
+                        <a:t>~$12</a:t>
+                      </a:r>
+                    </a:p>
+                  </a:txBody>
+                  <a:tcPr anchor="ctr"/>
+                </a:tc>
+                <a:extLst>
+                  <a:ext uri="{0D108BD9-81ED-4DB2-BD59-A6C34878D82A}">
+                    <a16:rowId xmlns:a16="http://schemas.microsoft.com/office/drawing/2014/main" val="3042694069"/>
+                  </a:ext>
+                </a:extLst>
+              </a:tr>
+              <a:tr h="668283">
+                <a:tc>
+                  <a:txBody>
+                    <a:bodyPr/>
+                    <a:lstStyle/>
+                    <a:p>
+                      <a:pPr>
+                        <a:buNone/>
+                      </a:pPr>
+                      <a:r>
+                        <a:rPr lang="en-US"/>
+                        <a:t>Interlink FSR 402</a:t>
+                      </a:r>
+                    </a:p>
+                  </a:txBody>
+                  <a:tcPr anchor="ctr"/>
+                </a:tc>
+                <a:tc>
+                  <a:txBody>
+                    <a:bodyPr/>
+                    <a:lstStyle/>
+                    <a:p>
+                      <a:pPr>
+                        <a:buNone/>
+                      </a:pPr>
+                      <a:r>
+                        <a:rPr lang="en-US"/>
+                        <a:t>Resistive</a:t>
+                      </a:r>
+                    </a:p>
+                  </a:txBody>
+                  <a:tcPr anchor="ctr"/>
+                </a:tc>
+                <a:tc>
+                  <a:txBody>
+                    <a:bodyPr/>
+                    <a:lstStyle/>
+                    <a:p>
+                      <a:pPr>
+                        <a:buNone/>
+                      </a:pPr>
+                      <a:r>
+                        <a:rPr lang="en-US" dirty="0"/>
+                        <a:t>0–10 N</a:t>
+                      </a:r>
+                    </a:p>
+                  </a:txBody>
+                  <a:tcPr anchor="ctr"/>
+                </a:tc>
+                <a:tc>
+                  <a:txBody>
+                    <a:bodyPr/>
+                    <a:lstStyle/>
+                    <a:p>
+                      <a:pPr>
+                        <a:buNone/>
+                      </a:pPr>
+                      <a:r>
+                        <a:rPr lang="en-US"/>
+                        <a:t>Medium</a:t>
+                      </a:r>
+                    </a:p>
+                  </a:txBody>
+                  <a:tcPr anchor="ctr"/>
+                </a:tc>
+                <a:tc>
+                  <a:txBody>
+                    <a:bodyPr/>
+                    <a:lstStyle/>
+                    <a:p>
+                      <a:pPr>
+                        <a:buNone/>
+                      </a:pPr>
+                      <a:r>
+                        <a:rPr lang="en-US"/>
+                        <a:t>~$7</a:t>
+                      </a:r>
+                    </a:p>
+                  </a:txBody>
+                  <a:tcPr anchor="ctr"/>
+                </a:tc>
+                <a:extLst>
+                  <a:ext uri="{0D108BD9-81ED-4DB2-BD59-A6C34878D82A}">
+                    <a16:rowId xmlns:a16="http://schemas.microsoft.com/office/drawing/2014/main" val="3700807327"/>
+                  </a:ext>
+                </a:extLst>
+              </a:tr>
+              <a:tr h="668283">
+                <a:tc>
+                  <a:txBody>
+                    <a:bodyPr/>
+                    <a:lstStyle/>
+                    <a:p>
+                      <a:pPr>
+                        <a:buNone/>
+                      </a:pPr>
+                      <a:r>
+                        <a:rPr lang="en-US"/>
+                        <a:t>DF9-40 FSR Sensor</a:t>
+                      </a:r>
+                    </a:p>
+                  </a:txBody>
+                  <a:tcPr anchor="ctr"/>
+                </a:tc>
+                <a:tc>
+                  <a:txBody>
+                    <a:bodyPr/>
+                    <a:lstStyle/>
+                    <a:p>
+                      <a:pPr>
+                        <a:buNone/>
+                      </a:pPr>
+                      <a:r>
+                        <a:rPr lang="en-US"/>
+                        <a:t>Resistive</a:t>
+                      </a:r>
+                    </a:p>
+                  </a:txBody>
+                  <a:tcPr anchor="ctr"/>
+                </a:tc>
+                <a:tc>
+                  <a:txBody>
+                    <a:bodyPr/>
+                    <a:lstStyle/>
+                    <a:p>
+                      <a:pPr>
+                        <a:buNone/>
+                      </a:pPr>
+                      <a:r>
+                        <a:rPr lang="en-US"/>
+                        <a:t>0–20 N</a:t>
+                      </a:r>
+                    </a:p>
+                  </a:txBody>
+                  <a:tcPr anchor="ctr"/>
+                </a:tc>
+                <a:tc>
+                  <a:txBody>
+                    <a:bodyPr/>
+                    <a:lstStyle/>
+                    <a:p>
+                      <a:pPr>
+                        <a:buNone/>
+                      </a:pPr>
+                      <a:r>
+                        <a:rPr lang="en-US"/>
+                        <a:t>Low</a:t>
+                      </a:r>
+                    </a:p>
+                  </a:txBody>
+                  <a:tcPr anchor="ctr"/>
+                </a:tc>
+                <a:tc>
+                  <a:txBody>
+                    <a:bodyPr/>
+                    <a:lstStyle/>
+                    <a:p>
+                      <a:pPr>
+                        <a:buNone/>
+                      </a:pPr>
+                      <a:r>
+                        <a:rPr lang="en-US"/>
+                        <a:t>~$5</a:t>
+                      </a:r>
+                    </a:p>
+                  </a:txBody>
+                  <a:tcPr anchor="ctr"/>
+                </a:tc>
+                <a:extLst>
+                  <a:ext uri="{0D108BD9-81ED-4DB2-BD59-A6C34878D82A}">
+                    <a16:rowId xmlns:a16="http://schemas.microsoft.com/office/drawing/2014/main" val="1899753563"/>
+                  </a:ext>
+                </a:extLst>
+              </a:tr>
+              <a:tr h="668283">
+                <a:tc>
+                  <a:txBody>
+                    <a:bodyPr/>
+                    <a:lstStyle/>
+                    <a:p>
+                      <a:pPr>
+                        <a:buNone/>
+                      </a:pPr>
+                      <a:r>
+                        <a:rPr lang="en-US"/>
+                        <a:t>DFRobot Capacitive Force Sensor SEN0293</a:t>
+                      </a:r>
+                    </a:p>
+                  </a:txBody>
+                  <a:tcPr anchor="ctr"/>
+                </a:tc>
+                <a:tc>
+                  <a:txBody>
+                    <a:bodyPr/>
+                    <a:lstStyle/>
+                    <a:p>
+                      <a:pPr>
+                        <a:buNone/>
+                      </a:pPr>
+                      <a:r>
+                        <a:rPr lang="en-US"/>
+                        <a:t>Capacitive</a:t>
+                      </a:r>
+                    </a:p>
+                  </a:txBody>
+                  <a:tcPr anchor="ctr"/>
+                </a:tc>
+                <a:tc>
+                  <a:txBody>
+                    <a:bodyPr/>
+                    <a:lstStyle/>
+                    <a:p>
+                      <a:pPr>
+                        <a:buNone/>
+                      </a:pPr>
+                      <a:r>
+                        <a:rPr lang="en-US"/>
+                        <a:t>0–10 N</a:t>
+                      </a:r>
+                    </a:p>
+                  </a:txBody>
+                  <a:tcPr anchor="ctr"/>
+                </a:tc>
+                <a:tc>
+                  <a:txBody>
+                    <a:bodyPr/>
+                    <a:lstStyle/>
+                    <a:p>
+                      <a:pPr>
+                        <a:buNone/>
+                      </a:pPr>
+                      <a:r>
+                        <a:rPr lang="en-US"/>
+                        <a:t>High</a:t>
+                      </a:r>
+                    </a:p>
+                  </a:txBody>
+                  <a:tcPr anchor="ctr"/>
+                </a:tc>
+                <a:tc>
+                  <a:txBody>
+                    <a:bodyPr/>
+                    <a:lstStyle/>
+                    <a:p>
+                      <a:pPr>
+                        <a:buNone/>
+                      </a:pPr>
+                      <a:r>
+                        <a:rPr lang="en-US"/>
+                        <a:t>~$9</a:t>
+                      </a:r>
+                    </a:p>
+                  </a:txBody>
+                  <a:tcPr anchor="ctr"/>
+                </a:tc>
+                <a:extLst>
+                  <a:ext uri="{0D108BD9-81ED-4DB2-BD59-A6C34878D82A}">
+                    <a16:rowId xmlns:a16="http://schemas.microsoft.com/office/drawing/2014/main" val="3580671733"/>
+                  </a:ext>
+                </a:extLst>
+              </a:tr>
+              <a:tr h="668283">
+                <a:tc>
+                  <a:txBody>
+                    <a:bodyPr/>
+                    <a:lstStyle/>
+                    <a:p>
+                      <a:pPr>
+                        <a:buNone/>
+                      </a:pPr>
+                      <a:r>
+                        <a:rPr lang="en-US"/>
+                        <a:t>Tekscan FlexiForce A301</a:t>
+                      </a:r>
+                    </a:p>
+                  </a:txBody>
+                  <a:tcPr anchor="ctr"/>
+                </a:tc>
+                <a:tc>
+                  <a:txBody>
+                    <a:bodyPr/>
+                    <a:lstStyle/>
+                    <a:p>
+                      <a:pPr>
+                        <a:buNone/>
+                      </a:pPr>
+                      <a:r>
+                        <a:rPr lang="en-US"/>
+                        <a:t>Resistive</a:t>
+                      </a:r>
+                    </a:p>
+                  </a:txBody>
+                  <a:tcPr anchor="ctr"/>
+                </a:tc>
+                <a:tc>
+                  <a:txBody>
+                    <a:bodyPr/>
+                    <a:lstStyle/>
+                    <a:p>
+                      <a:pPr>
+                        <a:buNone/>
+                      </a:pPr>
+                      <a:r>
+                        <a:rPr lang="en-US"/>
+                        <a:t>0–445 N</a:t>
+                      </a:r>
+                    </a:p>
+                  </a:txBody>
+                  <a:tcPr anchor="ctr"/>
+                </a:tc>
+                <a:tc>
+                  <a:txBody>
+                    <a:bodyPr/>
+                    <a:lstStyle/>
+                    <a:p>
+                      <a:pPr>
+                        <a:buNone/>
+                      </a:pPr>
+                      <a:r>
+                        <a:rPr lang="en-US"/>
+                        <a:t>High</a:t>
+                      </a:r>
+                    </a:p>
+                  </a:txBody>
+                  <a:tcPr anchor="ctr"/>
+                </a:tc>
+                <a:tc>
+                  <a:txBody>
+                    <a:bodyPr/>
+                    <a:lstStyle/>
+                    <a:p>
+                      <a:pPr>
+                        <a:buNone/>
+                      </a:pPr>
+                      <a:r>
+                        <a:rPr lang="en-US" dirty="0"/>
+                        <a:t>~$14</a:t>
+                      </a:r>
+                    </a:p>
+                  </a:txBody>
+                  <a:tcPr anchor="ctr"/>
+                </a:tc>
+                <a:extLst>
+                  <a:ext uri="{0D108BD9-81ED-4DB2-BD59-A6C34878D82A}">
+                    <a16:rowId xmlns:a16="http://schemas.microsoft.com/office/drawing/2014/main" val="2933878968"/>
+                  </a:ext>
+                </a:extLst>
+              </a:tr>
+            </a:tbl>
+          </a:graphicData>
+        </a:graphic>
+      </p:graphicFrame>
     </p:spTree>
     <p:extLst>
       <p:ext uri="{BB962C8B-B14F-4D97-AF65-F5344CB8AC3E}">
@@ -14473,6 +15354,633 @@
 </file>
 
 <file path=ppt/slides/slide7.xml><?xml version="1.0" encoding="utf-8"?>
+<p:sld xmlns:a="http://schemas.openxmlformats.org/drawingml/2006/main" xmlns:r="http://schemas.openxmlformats.org/officeDocument/2006/relationships" xmlns:p="http://schemas.openxmlformats.org/presentationml/2006/main">
+  <p:cSld>
+    <p:spTree>
+      <p:nvGrpSpPr>
+        <p:cNvPr id="1" name="">
+          <a:extLst>
+            <a:ext uri="{FF2B5EF4-FFF2-40B4-BE49-F238E27FC236}">
+              <a16:creationId xmlns:a16="http://schemas.microsoft.com/office/drawing/2014/main" id="{45F7296E-E848-3A9C-C264-9AD09981907D}"/>
+            </a:ext>
+          </a:extLst>
+        </p:cNvPr>
+        <p:cNvGrpSpPr/>
+        <p:nvPr/>
+      </p:nvGrpSpPr>
+      <p:grpSpPr>
+        <a:xfrm>
+          <a:off x="0" y="0"/>
+          <a:ext cx="0" cy="0"/>
+          <a:chOff x="0" y="0"/>
+          <a:chExt cx="0" cy="0"/>
+        </a:xfrm>
+      </p:grpSpPr>
+      <p:sp>
+        <p:nvSpPr>
+          <p:cNvPr id="2" name="Text Placeholder 1">
+            <a:extLst>
+              <a:ext uri="{FF2B5EF4-FFF2-40B4-BE49-F238E27FC236}">
+                <a16:creationId xmlns:a16="http://schemas.microsoft.com/office/drawing/2014/main" id="{8DC25F85-3384-AB62-3DDA-73A163EC31F1}"/>
+              </a:ext>
+            </a:extLst>
+          </p:cNvPr>
+          <p:cNvSpPr>
+            <a:spLocks noGrp="1"/>
+          </p:cNvSpPr>
+          <p:nvPr>
+            <p:ph type="body" sz="quarter" idx="11"/>
+          </p:nvPr>
+        </p:nvSpPr>
+        <p:spPr/>
+        <p:txBody>
+          <a:bodyPr/>
+          <a:lstStyle/>
+          <a:p>
+            <a:r>
+              <a:rPr lang="en-US" dirty="0"/>
+              <a:t>Resistive vs. Capacitive Strain Sensors</a:t>
+            </a:r>
+          </a:p>
+        </p:txBody>
+      </p:sp>
+      <p:sp>
+        <p:nvSpPr>
+          <p:cNvPr id="4" name="Title 3">
+            <a:extLst>
+              <a:ext uri="{FF2B5EF4-FFF2-40B4-BE49-F238E27FC236}">
+                <a16:creationId xmlns:a16="http://schemas.microsoft.com/office/drawing/2014/main" id="{5AF8B592-7152-AD1B-BFAC-BDD8D7077BB2}"/>
+              </a:ext>
+            </a:extLst>
+          </p:cNvPr>
+          <p:cNvSpPr>
+            <a:spLocks noGrp="1"/>
+          </p:cNvSpPr>
+          <p:nvPr>
+            <p:ph type="title"/>
+          </p:nvPr>
+        </p:nvSpPr>
+        <p:spPr/>
+        <p:txBody>
+          <a:bodyPr/>
+          <a:lstStyle/>
+          <a:p>
+            <a:r>
+              <a:rPr lang="en-US" dirty="0"/>
+              <a:t>Finding Commercial Sensors for Strain and Force </a:t>
+            </a:r>
+          </a:p>
+        </p:txBody>
+      </p:sp>
+      <p:sp>
+        <p:nvSpPr>
+          <p:cNvPr id="5" name="Footer Placeholder 4">
+            <a:extLst>
+              <a:ext uri="{FF2B5EF4-FFF2-40B4-BE49-F238E27FC236}">
+                <a16:creationId xmlns:a16="http://schemas.microsoft.com/office/drawing/2014/main" id="{315E6E71-B194-FF85-9BEA-4B28F7578563}"/>
+              </a:ext>
+            </a:extLst>
+          </p:cNvPr>
+          <p:cNvSpPr>
+            <a:spLocks noGrp="1"/>
+          </p:cNvSpPr>
+          <p:nvPr>
+            <p:ph type="ftr" sz="quarter" idx="12"/>
+          </p:nvPr>
+        </p:nvSpPr>
+        <p:spPr/>
+        <p:txBody>
+          <a:bodyPr/>
+          <a:lstStyle/>
+          <a:p>
+            <a:pPr algn="r"/>
+            <a:r>
+              <a:rPr lang="en-US" dirty="0"/>
+              <a:t>            5/7</a:t>
+            </a:r>
+          </a:p>
+        </p:txBody>
+      </p:sp>
+      <p:graphicFrame>
+        <p:nvGraphicFramePr>
+          <p:cNvPr id="8" name="Table 7">
+            <a:extLst>
+              <a:ext uri="{FF2B5EF4-FFF2-40B4-BE49-F238E27FC236}">
+                <a16:creationId xmlns:a16="http://schemas.microsoft.com/office/drawing/2014/main" id="{6235544C-AECD-1453-6877-48BB2B0B4297}"/>
+              </a:ext>
+            </a:extLst>
+          </p:cNvPr>
+          <p:cNvGraphicFramePr>
+            <a:graphicFrameLocks noGrp="1"/>
+          </p:cNvGraphicFramePr>
+          <p:nvPr>
+            <p:extLst>
+              <p:ext uri="{D42A27DB-BD31-4B8C-83A1-F6EECF244321}">
+                <p14:modId xmlns:p14="http://schemas.microsoft.com/office/powerpoint/2010/main" val="3050986979"/>
+              </p:ext>
+            </p:extLst>
+          </p:nvPr>
+        </p:nvGraphicFramePr>
+        <p:xfrm>
+          <a:off x="359229" y="1357109"/>
+          <a:ext cx="8441870" cy="4495800"/>
+        </p:xfrm>
+        <a:graphic>
+          <a:graphicData uri="http://schemas.openxmlformats.org/drawingml/2006/table">
+            <a:tbl>
+              <a:tblPr firstRow="1" bandRow="1">
+                <a:tableStyleId>{5C22544A-7EE6-4342-B048-85BDC9FD1C3A}</a:tableStyleId>
+              </a:tblPr>
+              <a:tblGrid>
+                <a:gridCol w="1688374">
+                  <a:extLst>
+                    <a:ext uri="{9D8B030D-6E8A-4147-A177-3AD203B41FA5}">
+                      <a16:colId xmlns:a16="http://schemas.microsoft.com/office/drawing/2014/main" val="2244348872"/>
+                    </a:ext>
+                  </a:extLst>
+                </a:gridCol>
+                <a:gridCol w="1688374">
+                  <a:extLst>
+                    <a:ext uri="{9D8B030D-6E8A-4147-A177-3AD203B41FA5}">
+                      <a16:colId xmlns:a16="http://schemas.microsoft.com/office/drawing/2014/main" val="14161327"/>
+                    </a:ext>
+                  </a:extLst>
+                </a:gridCol>
+                <a:gridCol w="1688374">
+                  <a:extLst>
+                    <a:ext uri="{9D8B030D-6E8A-4147-A177-3AD203B41FA5}">
+                      <a16:colId xmlns:a16="http://schemas.microsoft.com/office/drawing/2014/main" val="2648449274"/>
+                    </a:ext>
+                  </a:extLst>
+                </a:gridCol>
+                <a:gridCol w="1688374">
+                  <a:extLst>
+                    <a:ext uri="{9D8B030D-6E8A-4147-A177-3AD203B41FA5}">
+                      <a16:colId xmlns:a16="http://schemas.microsoft.com/office/drawing/2014/main" val="1250401240"/>
+                    </a:ext>
+                  </a:extLst>
+                </a:gridCol>
+                <a:gridCol w="1688374">
+                  <a:extLst>
+                    <a:ext uri="{9D8B030D-6E8A-4147-A177-3AD203B41FA5}">
+                      <a16:colId xmlns:a16="http://schemas.microsoft.com/office/drawing/2014/main" val="1128280838"/>
+                    </a:ext>
+                  </a:extLst>
+                </a:gridCol>
+              </a:tblGrid>
+              <a:tr h="899160">
+                <a:tc>
+                  <a:txBody>
+                    <a:bodyPr/>
+                    <a:lstStyle/>
+                    <a:p>
+                      <a:pPr>
+                        <a:buNone/>
+                      </a:pPr>
+                      <a:r>
+                        <a:rPr lang="en-US" dirty="0"/>
+                        <a:t>Sensor</a:t>
+                      </a:r>
+                    </a:p>
+                  </a:txBody>
+                  <a:tcPr anchor="ctr"/>
+                </a:tc>
+                <a:tc>
+                  <a:txBody>
+                    <a:bodyPr/>
+                    <a:lstStyle/>
+                    <a:p>
+                      <a:pPr>
+                        <a:buNone/>
+                      </a:pPr>
+                      <a:r>
+                        <a:rPr lang="en-US"/>
+                        <a:t>Type</a:t>
+                      </a:r>
+                    </a:p>
+                  </a:txBody>
+                  <a:tcPr anchor="ctr"/>
+                </a:tc>
+                <a:tc>
+                  <a:txBody>
+                    <a:bodyPr/>
+                    <a:lstStyle/>
+                    <a:p>
+                      <a:pPr>
+                        <a:buNone/>
+                      </a:pPr>
+                      <a:r>
+                        <a:rPr lang="en-US"/>
+                        <a:t>Strain Range</a:t>
+                      </a:r>
+                    </a:p>
+                  </a:txBody>
+                  <a:tcPr anchor="ctr"/>
+                </a:tc>
+                <a:tc>
+                  <a:txBody>
+                    <a:bodyPr/>
+                    <a:lstStyle/>
+                    <a:p>
+                      <a:pPr>
+                        <a:buNone/>
+                      </a:pPr>
+                      <a:r>
+                        <a:rPr lang="en-US"/>
+                        <a:t>Configuration</a:t>
+                      </a:r>
+                    </a:p>
+                  </a:txBody>
+                  <a:tcPr anchor="ctr"/>
+                </a:tc>
+                <a:tc>
+                  <a:txBody>
+                    <a:bodyPr/>
+                    <a:lstStyle/>
+                    <a:p>
+                      <a:pPr>
+                        <a:buNone/>
+                      </a:pPr>
+                      <a:r>
+                        <a:rPr lang="en-US"/>
+                        <a:t>Approx. Cost</a:t>
+                      </a:r>
+                    </a:p>
+                  </a:txBody>
+                  <a:tcPr anchor="ctr"/>
+                </a:tc>
+                <a:extLst>
+                  <a:ext uri="{0D108BD9-81ED-4DB2-BD59-A6C34878D82A}">
+                    <a16:rowId xmlns:a16="http://schemas.microsoft.com/office/drawing/2014/main" val="3182492392"/>
+                  </a:ext>
+                </a:extLst>
+              </a:tr>
+              <a:tr h="899160">
+                <a:tc>
+                  <a:txBody>
+                    <a:bodyPr/>
+                    <a:lstStyle/>
+                    <a:p>
+                      <a:pPr>
+                        <a:buNone/>
+                      </a:pPr>
+                      <a:r>
+                        <a:rPr lang="en-US" dirty="0"/>
+                        <a:t>Omega SGD-3/350-LY11</a:t>
+                      </a:r>
+                    </a:p>
+                  </a:txBody>
+                  <a:tcPr anchor="ctr"/>
+                </a:tc>
+                <a:tc>
+                  <a:txBody>
+                    <a:bodyPr/>
+                    <a:lstStyle/>
+                    <a:p>
+                      <a:pPr>
+                        <a:buNone/>
+                      </a:pPr>
+                      <a:r>
+                        <a:rPr lang="en-US"/>
+                        <a:t>Foil Strain Gauge</a:t>
+                      </a:r>
+                    </a:p>
+                  </a:txBody>
+                  <a:tcPr anchor="ctr"/>
+                </a:tc>
+                <a:tc>
+                  <a:txBody>
+                    <a:bodyPr/>
+                    <a:lstStyle/>
+                    <a:p>
+                      <a:pPr>
+                        <a:buNone/>
+                      </a:pPr>
+                      <a:r>
+                        <a:rPr lang="en-US"/>
+                        <a:t>±3% strain</a:t>
+                      </a:r>
+                    </a:p>
+                  </a:txBody>
+                  <a:tcPr anchor="ctr"/>
+                </a:tc>
+                <a:tc>
+                  <a:txBody>
+                    <a:bodyPr/>
+                    <a:lstStyle/>
+                    <a:p>
+                      <a:pPr>
+                        <a:buNone/>
+                      </a:pPr>
+                      <a:r>
+                        <a:rPr lang="en-US"/>
+                        <a:t>Single element</a:t>
+                      </a:r>
+                    </a:p>
+                  </a:txBody>
+                  <a:tcPr anchor="ctr"/>
+                </a:tc>
+                <a:tc>
+                  <a:txBody>
+                    <a:bodyPr/>
+                    <a:lstStyle/>
+                    <a:p>
+                      <a:pPr>
+                        <a:buNone/>
+                      </a:pPr>
+                      <a:r>
+                        <a:rPr lang="en-US"/>
+                        <a:t>~$6</a:t>
+                      </a:r>
+                    </a:p>
+                  </a:txBody>
+                  <a:tcPr anchor="ctr"/>
+                </a:tc>
+                <a:extLst>
+                  <a:ext uri="{0D108BD9-81ED-4DB2-BD59-A6C34878D82A}">
+                    <a16:rowId xmlns:a16="http://schemas.microsoft.com/office/drawing/2014/main" val="3270543586"/>
+                  </a:ext>
+                </a:extLst>
+              </a:tr>
+              <a:tr h="899160">
+                <a:tc>
+                  <a:txBody>
+                    <a:bodyPr/>
+                    <a:lstStyle/>
+                    <a:p>
+                      <a:pPr>
+                        <a:buNone/>
+                      </a:pPr>
+                      <a:r>
+                        <a:rPr lang="en-US"/>
+                        <a:t>Vishay CEA-06-250UW-350</a:t>
+                      </a:r>
+                    </a:p>
+                  </a:txBody>
+                  <a:tcPr anchor="ctr"/>
+                </a:tc>
+                <a:tc>
+                  <a:txBody>
+                    <a:bodyPr/>
+                    <a:lstStyle/>
+                    <a:p>
+                      <a:pPr>
+                        <a:buNone/>
+                      </a:pPr>
+                      <a:r>
+                        <a:rPr lang="en-US"/>
+                        <a:t>Foil Strain Gauge</a:t>
+                      </a:r>
+                    </a:p>
+                  </a:txBody>
+                  <a:tcPr anchor="ctr"/>
+                </a:tc>
+                <a:tc>
+                  <a:txBody>
+                    <a:bodyPr/>
+                    <a:lstStyle/>
+                    <a:p>
+                      <a:pPr>
+                        <a:buNone/>
+                      </a:pPr>
+                      <a:r>
+                        <a:rPr lang="en-US"/>
+                        <a:t>±2% strain</a:t>
+                      </a:r>
+                    </a:p>
+                  </a:txBody>
+                  <a:tcPr anchor="ctr"/>
+                </a:tc>
+                <a:tc>
+                  <a:txBody>
+                    <a:bodyPr/>
+                    <a:lstStyle/>
+                    <a:p>
+                      <a:pPr>
+                        <a:buNone/>
+                      </a:pPr>
+                      <a:r>
+                        <a:rPr lang="en-US"/>
+                        <a:t>Single</a:t>
+                      </a:r>
+                    </a:p>
+                  </a:txBody>
+                  <a:tcPr anchor="ctr"/>
+                </a:tc>
+                <a:tc>
+                  <a:txBody>
+                    <a:bodyPr/>
+                    <a:lstStyle/>
+                    <a:p>
+                      <a:pPr>
+                        <a:buNone/>
+                      </a:pPr>
+                      <a:r>
+                        <a:rPr lang="en-US"/>
+                        <a:t>~$8</a:t>
+                      </a:r>
+                    </a:p>
+                  </a:txBody>
+                  <a:tcPr anchor="ctr"/>
+                </a:tc>
+                <a:extLst>
+                  <a:ext uri="{0D108BD9-81ED-4DB2-BD59-A6C34878D82A}">
+                    <a16:rowId xmlns:a16="http://schemas.microsoft.com/office/drawing/2014/main" val="4192350528"/>
+                  </a:ext>
+                </a:extLst>
+              </a:tr>
+              <a:tr h="899160">
+                <a:tc>
+                  <a:txBody>
+                    <a:bodyPr/>
+                    <a:lstStyle/>
+                    <a:p>
+                      <a:pPr>
+                        <a:buNone/>
+                      </a:pPr>
+                      <a:r>
+                        <a:rPr lang="en-US"/>
+                        <a:t>DF9-40 Capacitive Bend Sensor</a:t>
+                      </a:r>
+                    </a:p>
+                  </a:txBody>
+                  <a:tcPr anchor="ctr"/>
+                </a:tc>
+                <a:tc>
+                  <a:txBody>
+                    <a:bodyPr/>
+                    <a:lstStyle/>
+                    <a:p>
+                      <a:pPr>
+                        <a:buNone/>
+                      </a:pPr>
+                      <a:r>
+                        <a:rPr lang="en-US"/>
+                        <a:t>Capacitive</a:t>
+                      </a:r>
+                    </a:p>
+                  </a:txBody>
+                  <a:tcPr anchor="ctr"/>
+                </a:tc>
+                <a:tc>
+                  <a:txBody>
+                    <a:bodyPr/>
+                    <a:lstStyle/>
+                    <a:p>
+                      <a:pPr>
+                        <a:buNone/>
+                      </a:pPr>
+                      <a:r>
+                        <a:rPr lang="en-US"/>
+                        <a:t>±2% strain</a:t>
+                      </a:r>
+                    </a:p>
+                  </a:txBody>
+                  <a:tcPr anchor="ctr"/>
+                </a:tc>
+                <a:tc>
+                  <a:txBody>
+                    <a:bodyPr/>
+                    <a:lstStyle/>
+                    <a:p>
+                      <a:pPr>
+                        <a:buNone/>
+                      </a:pPr>
+                      <a:r>
+                        <a:rPr lang="en-US"/>
+                        <a:t>Flexible</a:t>
+                      </a:r>
+                    </a:p>
+                  </a:txBody>
+                  <a:tcPr anchor="ctr"/>
+                </a:tc>
+                <a:tc>
+                  <a:txBody>
+                    <a:bodyPr/>
+                    <a:lstStyle/>
+                    <a:p>
+                      <a:pPr>
+                        <a:buNone/>
+                      </a:pPr>
+                      <a:r>
+                        <a:rPr lang="en-US"/>
+                        <a:t>~$6</a:t>
+                      </a:r>
+                    </a:p>
+                  </a:txBody>
+                  <a:tcPr anchor="ctr"/>
+                </a:tc>
+                <a:extLst>
+                  <a:ext uri="{0D108BD9-81ED-4DB2-BD59-A6C34878D82A}">
+                    <a16:rowId xmlns:a16="http://schemas.microsoft.com/office/drawing/2014/main" val="3422397505"/>
+                  </a:ext>
+                </a:extLst>
+              </a:tr>
+              <a:tr h="899160">
+                <a:tc>
+                  <a:txBody>
+                    <a:bodyPr/>
+                    <a:lstStyle/>
+                    <a:p>
+                      <a:pPr>
+                        <a:buNone/>
+                      </a:pPr>
+                      <a:r>
+                        <a:rPr lang="de-DE"/>
+                        <a:t>DFRobot Flexible Bend Sensor SEN0219</a:t>
+                      </a:r>
+                    </a:p>
+                  </a:txBody>
+                  <a:tcPr anchor="ctr"/>
+                </a:tc>
+                <a:tc>
+                  <a:txBody>
+                    <a:bodyPr/>
+                    <a:lstStyle/>
+                    <a:p>
+                      <a:pPr>
+                        <a:buNone/>
+                      </a:pPr>
+                      <a:r>
+                        <a:rPr lang="en-US"/>
+                        <a:t>Resistive</a:t>
+                      </a:r>
+                    </a:p>
+                  </a:txBody>
+                  <a:tcPr anchor="ctr"/>
+                </a:tc>
+                <a:tc>
+                  <a:txBody>
+                    <a:bodyPr/>
+                    <a:lstStyle/>
+                    <a:p>
+                      <a:pPr>
+                        <a:buNone/>
+                      </a:pPr>
+                      <a:r>
+                        <a:rPr lang="en-US"/>
+                        <a:t>±3% strain</a:t>
+                      </a:r>
+                    </a:p>
+                  </a:txBody>
+                  <a:tcPr anchor="ctr"/>
+                </a:tc>
+                <a:tc>
+                  <a:txBody>
+                    <a:bodyPr/>
+                    <a:lstStyle/>
+                    <a:p>
+                      <a:pPr>
+                        <a:buNone/>
+                      </a:pPr>
+                      <a:r>
+                        <a:rPr lang="en-US"/>
+                        <a:t>Flexible</a:t>
+                      </a:r>
+                    </a:p>
+                  </a:txBody>
+                  <a:tcPr anchor="ctr"/>
+                </a:tc>
+                <a:tc>
+                  <a:txBody>
+                    <a:bodyPr/>
+                    <a:lstStyle/>
+                    <a:p>
+                      <a:pPr>
+                        <a:buNone/>
+                      </a:pPr>
+                      <a:r>
+                        <a:rPr lang="en-US" dirty="0"/>
+                        <a:t>~$9</a:t>
+                      </a:r>
+                    </a:p>
+                  </a:txBody>
+                  <a:tcPr anchor="ctr"/>
+                </a:tc>
+                <a:extLst>
+                  <a:ext uri="{0D108BD9-81ED-4DB2-BD59-A6C34878D82A}">
+                    <a16:rowId xmlns:a16="http://schemas.microsoft.com/office/drawing/2014/main" val="4252912655"/>
+                  </a:ext>
+                </a:extLst>
+              </a:tr>
+            </a:tbl>
+          </a:graphicData>
+        </a:graphic>
+      </p:graphicFrame>
+    </p:spTree>
+    <p:extLst>
+      <p:ext uri="{BB962C8B-B14F-4D97-AF65-F5344CB8AC3E}">
+        <p14:creationId xmlns:p14="http://schemas.microsoft.com/office/powerpoint/2010/main" val="1807205737"/>
+      </p:ext>
+    </p:extLst>
+  </p:cSld>
+  <p:clrMapOvr>
+    <a:masterClrMapping/>
+  </p:clrMapOvr>
+</p:sld>
+</file>
+
+<file path=ppt/slides/slide8.xml><?xml version="1.0" encoding="utf-8"?>
 <p:sld xmlns:a="http://schemas.openxmlformats.org/drawingml/2006/main" xmlns:r="http://schemas.openxmlformats.org/officeDocument/2006/relationships" xmlns:p="http://schemas.openxmlformats.org/presentationml/2006/main">
   <p:cSld>
     <p:spTree>
@@ -14593,7 +16101,7 @@
         </p:spPr>
         <p:txBody>
           <a:bodyPr>
-            <a:normAutofit lnSpcReduction="10000"/>
+            <a:normAutofit/>
           </a:bodyPr>
           <a:lstStyle/>
           <a:p>
@@ -14649,177 +16157,6 @@
     <p:extLst>
       <p:ext uri="{BB962C8B-B14F-4D97-AF65-F5344CB8AC3E}">
         <p14:creationId xmlns:p14="http://schemas.microsoft.com/office/powerpoint/2010/main" val="51928253"/>
-      </p:ext>
-    </p:extLst>
-  </p:cSld>
-  <p:clrMapOvr>
-    <a:masterClrMapping/>
-  </p:clrMapOvr>
-</p:sld>
-</file>
-
-<file path=ppt/slides/slide8.xml><?xml version="1.0" encoding="utf-8"?>
-<p:sld xmlns:a="http://schemas.openxmlformats.org/drawingml/2006/main" xmlns:r="http://schemas.openxmlformats.org/officeDocument/2006/relationships" xmlns:p="http://schemas.openxmlformats.org/presentationml/2006/main">
-  <p:cSld>
-    <p:spTree>
-      <p:nvGrpSpPr>
-        <p:cNvPr id="1" name=""/>
-        <p:cNvGrpSpPr/>
-        <p:nvPr/>
-      </p:nvGrpSpPr>
-      <p:grpSpPr>
-        <a:xfrm>
-          <a:off x="0" y="0"/>
-          <a:ext cx="0" cy="0"/>
-          <a:chOff x="0" y="0"/>
-          <a:chExt cx="0" cy="0"/>
-        </a:xfrm>
-      </p:grpSpPr>
-      <p:sp>
-        <p:nvSpPr>
-          <p:cNvPr id="2" name="Text Placeholder 1">
-            <a:extLst>
-              <a:ext uri="{FF2B5EF4-FFF2-40B4-BE49-F238E27FC236}">
-                <a16:creationId xmlns:a16="http://schemas.microsoft.com/office/drawing/2014/main" id="{81905E5B-1C3C-2790-CDD3-F7E06B7CF8D2}"/>
-              </a:ext>
-            </a:extLst>
-          </p:cNvPr>
-          <p:cNvSpPr>
-            <a:spLocks noGrp="1"/>
-          </p:cNvSpPr>
-          <p:nvPr>
-            <p:ph type="body" sz="quarter" idx="11"/>
-          </p:nvPr>
-        </p:nvSpPr>
-        <p:spPr/>
-        <p:txBody>
-          <a:bodyPr/>
-          <a:lstStyle/>
-          <a:p>
-            <a:r>
-              <a:rPr lang="en-US" dirty="0"/>
-              <a:t>Data capture + Battery System Only</a:t>
-            </a:r>
-          </a:p>
-          <a:p>
-            <a:endParaRPr lang="en-US" dirty="0"/>
-          </a:p>
-        </p:txBody>
-      </p:sp>
-      <p:sp>
-        <p:nvSpPr>
-          <p:cNvPr id="3" name="Text Placeholder 2">
-            <a:extLst>
-              <a:ext uri="{FF2B5EF4-FFF2-40B4-BE49-F238E27FC236}">
-                <a16:creationId xmlns:a16="http://schemas.microsoft.com/office/drawing/2014/main" id="{F18A6011-4271-C46F-3312-E4F777911F56}"/>
-              </a:ext>
-            </a:extLst>
-          </p:cNvPr>
-          <p:cNvSpPr>
-            <a:spLocks noGrp="1"/>
-          </p:cNvSpPr>
-          <p:nvPr>
-            <p:ph type="body" sz="quarter" idx="10"/>
-          </p:nvPr>
-        </p:nvSpPr>
-        <p:spPr/>
-        <p:txBody>
-          <a:bodyPr/>
-          <a:lstStyle/>
-          <a:p>
-            <a:pPr marL="285750" indent="-285750">
-              <a:buFont typeface="Arial" panose="020B0604020202020204" pitchFamily="34" charset="0"/>
-              <a:buChar char="•"/>
-            </a:pPr>
-            <a:r>
-              <a:rPr lang="en-US" dirty="0"/>
-              <a:t>Version of Schematic with only battery system and data capture IC </a:t>
-            </a:r>
-          </a:p>
-          <a:p>
-            <a:pPr marL="285750" indent="-285750">
-              <a:buFont typeface="Arial" panose="020B0604020202020204" pitchFamily="34" charset="0"/>
-              <a:buChar char="•"/>
-            </a:pPr>
-            <a:r>
-              <a:rPr lang="en-US" dirty="0"/>
-              <a:t>System with fundamental capabilities to store data</a:t>
-            </a:r>
-          </a:p>
-          <a:p>
-            <a:pPr marL="285750" indent="-285750">
-              <a:buFont typeface="Arial" panose="020B0604020202020204" pitchFamily="34" charset="0"/>
-              <a:buChar char="•"/>
-            </a:pPr>
-            <a:r>
-              <a:rPr lang="en-US" dirty="0"/>
-              <a:t>Later revisions will build off of this one and add the needed capabilities</a:t>
-            </a:r>
-          </a:p>
-        </p:txBody>
-      </p:sp>
-      <p:sp>
-        <p:nvSpPr>
-          <p:cNvPr id="4" name="Title 3">
-            <a:extLst>
-              <a:ext uri="{FF2B5EF4-FFF2-40B4-BE49-F238E27FC236}">
-                <a16:creationId xmlns:a16="http://schemas.microsoft.com/office/drawing/2014/main" id="{FFC3ED18-10B6-DE59-0E2D-7AD5FF45BBF4}"/>
-              </a:ext>
-            </a:extLst>
-          </p:cNvPr>
-          <p:cNvSpPr>
-            <a:spLocks noGrp="1"/>
-          </p:cNvSpPr>
-          <p:nvPr>
-            <p:ph type="title"/>
-          </p:nvPr>
-        </p:nvSpPr>
-        <p:spPr/>
-        <p:txBody>
-          <a:bodyPr/>
-          <a:lstStyle/>
-          <a:p>
-            <a:r>
-              <a:rPr lang="en-US" dirty="0"/>
-              <a:t>Order Revision 1 (Baseline PCB)</a:t>
-            </a:r>
-          </a:p>
-        </p:txBody>
-      </p:sp>
-      <p:sp>
-        <p:nvSpPr>
-          <p:cNvPr id="5" name="Footer Placeholder 4">
-            <a:extLst>
-              <a:ext uri="{FF2B5EF4-FFF2-40B4-BE49-F238E27FC236}">
-                <a16:creationId xmlns:a16="http://schemas.microsoft.com/office/drawing/2014/main" id="{587EA68A-49F4-2BFF-0C8F-7A67826F99E1}"/>
-              </a:ext>
-            </a:extLst>
-          </p:cNvPr>
-          <p:cNvSpPr>
-            <a:spLocks noGrp="1"/>
-          </p:cNvSpPr>
-          <p:nvPr>
-            <p:ph type="ftr" sz="quarter" idx="12"/>
-          </p:nvPr>
-        </p:nvSpPr>
-        <p:spPr/>
-        <p:txBody>
-          <a:bodyPr/>
-          <a:lstStyle/>
-          <a:p>
-            <a:pPr algn="r"/>
-            <a:r>
-              <a:rPr lang="en-US"/>
-              <a:t>3/31/23            ‹#›</a:t>
-            </a:r>
-            <a:endParaRPr lang="en-US" dirty="0"/>
-          </a:p>
-        </p:txBody>
-      </p:sp>
-    </p:spTree>
-    <p:extLst>
-      <p:ext uri="{BB962C8B-B14F-4D97-AF65-F5344CB8AC3E}">
-        <p14:creationId xmlns:p14="http://schemas.microsoft.com/office/powerpoint/2010/main" val="416166354"/>
       </p:ext>
     </p:extLst>
   </p:cSld>
@@ -14851,7 +16188,7 @@
           <p:cNvPr id="2" name="Text Placeholder 1">
             <a:extLst>
               <a:ext uri="{FF2B5EF4-FFF2-40B4-BE49-F238E27FC236}">
-                <a16:creationId xmlns:a16="http://schemas.microsoft.com/office/drawing/2014/main" id="{11B29CAD-3B43-3BC0-D2EC-A53874ABB884}"/>
+                <a16:creationId xmlns:a16="http://schemas.microsoft.com/office/drawing/2014/main" id="{81905E5B-1C3C-2790-CDD3-F7E06B7CF8D2}"/>
               </a:ext>
             </a:extLst>
           </p:cNvPr>
@@ -14869,8 +16206,11 @@
           <a:p>
             <a:r>
               <a:rPr lang="en-US" dirty="0"/>
-              <a:t>Blockers &amp; Next Week’s Work</a:t>
-            </a:r>
+              <a:t>Data capture + Battery System Only</a:t>
+            </a:r>
+          </a:p>
+          <a:p>
+            <a:endParaRPr lang="en-US" dirty="0"/>
           </a:p>
         </p:txBody>
       </p:sp>
@@ -14879,7 +16219,7 @@
           <p:cNvPr id="3" name="Text Placeholder 2">
             <a:extLst>
               <a:ext uri="{FF2B5EF4-FFF2-40B4-BE49-F238E27FC236}">
-                <a16:creationId xmlns:a16="http://schemas.microsoft.com/office/drawing/2014/main" id="{A9F87380-04A3-DD16-EAB3-0921830BDF50}"/>
+                <a16:creationId xmlns:a16="http://schemas.microsoft.com/office/drawing/2014/main" id="{F18A6011-4271-C46F-3312-E4F777911F56}"/>
               </a:ext>
             </a:extLst>
           </p:cNvPr>
@@ -14895,9 +16235,33 @@
           <a:bodyPr/>
           <a:lstStyle/>
           <a:p>
-            <a:r>
-              <a:rPr lang="en-US" dirty="0"/>
-              <a:t>[Insert]</a:t>
+            <a:pPr marL="285750" indent="-285750">
+              <a:buFont typeface="Arial" panose="020B0604020202020204" pitchFamily="34" charset="0"/>
+              <a:buChar char="•"/>
+            </a:pPr>
+            <a:r>
+              <a:rPr lang="en-US" dirty="0"/>
+              <a:t>Version of Schematic with only battery system and data capture IC </a:t>
+            </a:r>
+          </a:p>
+          <a:p>
+            <a:pPr marL="285750" indent="-285750">
+              <a:buFont typeface="Arial" panose="020B0604020202020204" pitchFamily="34" charset="0"/>
+              <a:buChar char="•"/>
+            </a:pPr>
+            <a:r>
+              <a:rPr lang="en-US" dirty="0"/>
+              <a:t>System with fundamental capabilities to store data</a:t>
+            </a:r>
+          </a:p>
+          <a:p>
+            <a:pPr marL="285750" indent="-285750">
+              <a:buFont typeface="Arial" panose="020B0604020202020204" pitchFamily="34" charset="0"/>
+              <a:buChar char="•"/>
+            </a:pPr>
+            <a:r>
+              <a:rPr lang="en-US" dirty="0"/>
+              <a:t>Later revisions will build off of this one and add the needed capabilities</a:t>
             </a:r>
           </a:p>
         </p:txBody>
@@ -14907,7 +16271,7 @@
           <p:cNvPr id="4" name="Title 3">
             <a:extLst>
               <a:ext uri="{FF2B5EF4-FFF2-40B4-BE49-F238E27FC236}">
-                <a16:creationId xmlns:a16="http://schemas.microsoft.com/office/drawing/2014/main" id="{47D02411-52BC-0A6C-B958-234593BB194F}"/>
+                <a16:creationId xmlns:a16="http://schemas.microsoft.com/office/drawing/2014/main" id="{FFC3ED18-10B6-DE59-0E2D-7AD5FF45BBF4}"/>
               </a:ext>
             </a:extLst>
           </p:cNvPr>
@@ -14925,7 +16289,7 @@
           <a:p>
             <a:r>
               <a:rPr lang="en-US" dirty="0"/>
-              <a:t>Next Week</a:t>
+              <a:t>Order Revision 1 (Baseline PCB)</a:t>
             </a:r>
           </a:p>
         </p:txBody>
@@ -14935,7 +16299,7 @@
           <p:cNvPr id="5" name="Footer Placeholder 4">
             <a:extLst>
               <a:ext uri="{FF2B5EF4-FFF2-40B4-BE49-F238E27FC236}">
-                <a16:creationId xmlns:a16="http://schemas.microsoft.com/office/drawing/2014/main" id="{51BAB307-58AA-C3F2-0BBB-500351B01F7A}"/>
+                <a16:creationId xmlns:a16="http://schemas.microsoft.com/office/drawing/2014/main" id="{587EA68A-49F4-2BFF-0C8F-7A67826F99E1}"/>
               </a:ext>
             </a:extLst>
           </p:cNvPr>
@@ -14953,16 +16317,17 @@
           <a:p>
             <a:pPr algn="r"/>
             <a:r>
-              <a:rPr lang="en-US" dirty="0"/>
-              <a:t>6/7</a:t>
-            </a:r>
+              <a:rPr lang="en-US"/>
+              <a:t>3/31/23            ‹#›</a:t>
+            </a:r>
+            <a:endParaRPr lang="en-US" dirty="0"/>
           </a:p>
         </p:txBody>
       </p:sp>
     </p:spTree>
     <p:extLst>
       <p:ext uri="{BB962C8B-B14F-4D97-AF65-F5344CB8AC3E}">
-        <p14:creationId xmlns:p14="http://schemas.microsoft.com/office/powerpoint/2010/main" val="257444251"/>
+        <p14:creationId xmlns:p14="http://schemas.microsoft.com/office/powerpoint/2010/main" val="416166354"/>
       </p:ext>
     </p:extLst>
   </p:cSld>
@@ -15555,6 +16920,15 @@
 </file>
 
 <file path=customXml/item1.xml><?xml version="1.0" encoding="utf-8"?>
+<?mso-contentType ?>
+<FormTemplates xmlns="http://schemas.microsoft.com/sharepoint/v3/contenttype/forms">
+  <Display>DocumentLibraryForm</Display>
+  <Edit>DocumentLibraryForm</Edit>
+  <New>DocumentLibraryForm</New>
+</FormTemplates>
+</file>
+
+<file path=customXml/item2.xml><?xml version="1.0" encoding="utf-8"?>
 <p:properties xmlns:p="http://schemas.microsoft.com/office/2006/metadata/properties" xmlns:xsi="http://www.w3.org/2001/XMLSchema-instance" xmlns:pc="http://schemas.microsoft.com/office/infopath/2007/PartnerControls">
   <documentManagement>
     <SharedWithUsers xmlns="d6656b4d-3fa0-4709-acfb-d5e813445d1e">
@@ -15595,15 +16969,6 @@
     <TaxCatchAll xmlns="d6656b4d-3fa0-4709-acfb-d5e813445d1e" xsi:nil="true"/>
   </documentManagement>
 </p:properties>
-</file>
-
-<file path=customXml/item2.xml><?xml version="1.0" encoding="utf-8"?>
-<?mso-contentType ?>
-<FormTemplates xmlns="http://schemas.microsoft.com/sharepoint/v3/contenttype/forms">
-  <Display>DocumentLibraryForm</Display>
-  <Edit>DocumentLibraryForm</Edit>
-  <New>DocumentLibraryForm</New>
-</FormTemplates>
 </file>
 
 <file path=customXml/item3.xml><?xml version="1.0" encoding="utf-8"?>
@@ -15830,6 +17195,14 @@
 </file>
 
 <file path=customXml/itemProps1.xml><?xml version="1.0" encoding="utf-8"?>
+<ds:datastoreItem xmlns:ds="http://schemas.openxmlformats.org/officeDocument/2006/customXml" ds:itemID="{F5B64EEB-1B4A-4920-AA44-E234D7D487D1}">
+  <ds:schemaRefs>
+    <ds:schemaRef ds:uri="http://schemas.microsoft.com/sharepoint/v3/contenttype/forms"/>
+  </ds:schemaRefs>
+</ds:datastoreItem>
+</file>
+
+<file path=customXml/itemProps2.xml><?xml version="1.0" encoding="utf-8"?>
 <ds:datastoreItem xmlns:ds="http://schemas.openxmlformats.org/officeDocument/2006/customXml" ds:itemID="{21DE0D6C-581B-4814-98E7-EF172D5D46A1}">
   <ds:schemaRefs>
     <ds:schemaRef ds:uri="http://purl.org/dc/elements/1.1/"/>
@@ -15842,14 +17215,6 @@
     <ds:schemaRef ds:uri="http://schemas.microsoft.com/office/2006/metadata/properties"/>
     <ds:schemaRef ds:uri="http://www.w3.org/XML/1998/namespace"/>
     <ds:schemaRef ds:uri="http://purl.org/dc/dcmitype/"/>
-  </ds:schemaRefs>
-</ds:datastoreItem>
-</file>
-
-<file path=customXml/itemProps2.xml><?xml version="1.0" encoding="utf-8"?>
-<ds:datastoreItem xmlns:ds="http://schemas.openxmlformats.org/officeDocument/2006/customXml" ds:itemID="{F5B64EEB-1B4A-4920-AA44-E234D7D487D1}">
-  <ds:schemaRefs>
-    <ds:schemaRef ds:uri="http://schemas.microsoft.com/sharepoint/v3/contenttype/forms"/>
   </ds:schemaRefs>
 </ds:datastoreItem>
 </file>

--- a/Documentation/Slides/Week_9.pptx
+++ b/Documentation/Slides/Week_9.pptx
@@ -5,49 +5,46 @@
     <p:sldMasterId id="2147483648" r:id="rId4"/>
   </p:sldMasterIdLst>
   <p:notesMasterIdLst>
-    <p:notesMasterId r:id="rId16"/>
+    <p:notesMasterId r:id="rId13"/>
   </p:notesMasterIdLst>
   <p:sldIdLst>
     <p:sldId id="267" r:id="rId5"/>
     <p:sldId id="279" r:id="rId6"/>
     <p:sldId id="280" r:id="rId7"/>
     <p:sldId id="285" r:id="rId8"/>
-    <p:sldId id="281" r:id="rId9"/>
-    <p:sldId id="282" r:id="rId10"/>
-    <p:sldId id="287" r:id="rId11"/>
-    <p:sldId id="283" r:id="rId12"/>
-    <p:sldId id="286" r:id="rId13"/>
-    <p:sldId id="278" r:id="rId14"/>
-    <p:sldId id="277" r:id="rId15"/>
+    <p:sldId id="286" r:id="rId9"/>
+    <p:sldId id="287" r:id="rId10"/>
+    <p:sldId id="278" r:id="rId11"/>
+    <p:sldId id="277" r:id="rId12"/>
   </p:sldIdLst>
   <p:sldSz cx="9144000" cy="6858000" type="screen4x3"/>
   <p:notesSz cx="6858000" cy="9144000"/>
   <p:embeddedFontLst>
     <p:embeddedFont>
-      <p:font typeface="Acumin Pro Condensed Semibold" panose="020B0604020202020204" charset="0"/>
-      <p:regular r:id="rId17"/>
-      <p:bold r:id="rId18"/>
-      <p:italic r:id="rId19"/>
-      <p:boldItalic r:id="rId20"/>
+      <p:font typeface="Acumin Pro Condensed Semibold" panose="020B0706020202020204" pitchFamily="34" charset="77"/>
+      <p:regular r:id="rId14"/>
+      <p:bold r:id="rId15"/>
+      <p:italic r:id="rId16"/>
+      <p:boldItalic r:id="rId17"/>
     </p:embeddedFont>
     <p:embeddedFont>
-      <p:font typeface="Acumin Pro Medium" panose="020B0604020202020204" charset="0"/>
-      <p:regular r:id="rId21"/>
-      <p:italic r:id="rId22"/>
+      <p:font typeface="Acumin Pro Medium" panose="020B0604020202020204" pitchFamily="34" charset="77"/>
+      <p:regular r:id="rId18"/>
+      <p:italic r:id="rId19"/>
     </p:embeddedFont>
     <p:embeddedFont>
       <p:font typeface="Franklin Gothic Book" panose="020B0503020102020204" pitchFamily="34" charset="0"/>
-      <p:regular r:id="rId23"/>
-      <p:italic r:id="rId24"/>
+      <p:regular r:id="rId20"/>
+      <p:italic r:id="rId21"/>
     </p:embeddedFont>
     <p:embeddedFont>
       <p:font typeface="Franklin Gothic Medium" panose="020B0603020102020204" pitchFamily="34" charset="0"/>
-      <p:regular r:id="rId25"/>
-      <p:italic r:id="rId26"/>
+      <p:regular r:id="rId22"/>
+      <p:italic r:id="rId23"/>
     </p:embeddedFont>
     <p:embeddedFont>
       <p:font typeface="Franklin Gothic Medium Cond" panose="020B0606030402020204" pitchFamily="34" charset="0"/>
-      <p:regular r:id="rId27"/>
+      <p:regular r:id="rId24"/>
     </p:embeddedFont>
   </p:embeddedFontLst>
   <p:defaultTextStyle>
@@ -252,7 +249,7 @@
           <a:p>
             <a:fld id="{01926CF7-48D8-2F46-AFC8-8A5D2298DFDD}" type="datetimeFigureOut">
               <a:rPr lang="en-US" smtClean="0"/>
-              <a:t>11/10/2025</a:t>
+              <a:t>11/17/25</a:t>
             </a:fld>
             <a:endParaRPr lang="en-US"/>
           </a:p>
@@ -599,6 +596,90 @@
     <p:extLst>
       <p:ext uri="{BB962C8B-B14F-4D97-AF65-F5344CB8AC3E}">
         <p14:creationId xmlns:p14="http://schemas.microsoft.com/office/powerpoint/2010/main" val="3532331613"/>
+      </p:ext>
+    </p:extLst>
+  </p:cSld>
+  <p:clrMapOvr>
+    <a:masterClrMapping/>
+  </p:clrMapOvr>
+</p:notes>
+</file>
+
+<file path=ppt/notesSlides/notesSlide2.xml><?xml version="1.0" encoding="utf-8"?>
+<p:notes xmlns:a="http://schemas.openxmlformats.org/drawingml/2006/main" xmlns:r="http://schemas.openxmlformats.org/officeDocument/2006/relationships" xmlns:p="http://schemas.openxmlformats.org/presentationml/2006/main">
+  <p:cSld>
+    <p:spTree>
+      <p:nvGrpSpPr>
+        <p:cNvPr id="1" name=""/>
+        <p:cNvGrpSpPr/>
+        <p:nvPr/>
+      </p:nvGrpSpPr>
+      <p:grpSpPr>
+        <a:xfrm>
+          <a:off x="0" y="0"/>
+          <a:ext cx="0" cy="0"/>
+          <a:chOff x="0" y="0"/>
+          <a:chExt cx="0" cy="0"/>
+        </a:xfrm>
+      </p:grpSpPr>
+      <p:sp>
+        <p:nvSpPr>
+          <p:cNvPr id="2" name="Slide Image Placeholder 1"/>
+          <p:cNvSpPr>
+            <a:spLocks noGrp="1" noRot="1" noChangeAspect="1"/>
+          </p:cNvSpPr>
+          <p:nvPr>
+            <p:ph type="sldImg"/>
+          </p:nvPr>
+        </p:nvSpPr>
+        <p:spPr/>
+      </p:sp>
+      <p:sp>
+        <p:nvSpPr>
+          <p:cNvPr id="3" name="Notes Placeholder 2"/>
+          <p:cNvSpPr>
+            <a:spLocks noGrp="1"/>
+          </p:cNvSpPr>
+          <p:nvPr>
+            <p:ph type="body" idx="1"/>
+          </p:nvPr>
+        </p:nvSpPr>
+        <p:spPr/>
+        <p:txBody>
+          <a:bodyPr/>
+          <a:lstStyle/>
+          <a:p>
+            <a:endParaRPr lang="en-US" dirty="0"/>
+          </a:p>
+        </p:txBody>
+      </p:sp>
+      <p:sp>
+        <p:nvSpPr>
+          <p:cNvPr id="4" name="Slide Number Placeholder 3"/>
+          <p:cNvSpPr>
+            <a:spLocks noGrp="1"/>
+          </p:cNvSpPr>
+          <p:nvPr>
+            <p:ph type="sldNum" sz="quarter" idx="5"/>
+          </p:nvPr>
+        </p:nvSpPr>
+        <p:spPr/>
+        <p:txBody>
+          <a:bodyPr/>
+          <a:lstStyle/>
+          <a:p>
+            <a:fld id="{237BF745-0557-B241-863F-056113C7032A}" type="slidenum">
+              <a:rPr lang="en-US" smtClean="0"/>
+              <a:t>2</a:t>
+            </a:fld>
+            <a:endParaRPr lang="en-US"/>
+          </a:p>
+        </p:txBody>
+      </p:sp>
+    </p:spTree>
+    <p:extLst>
+      <p:ext uri="{BB962C8B-B14F-4D97-AF65-F5344CB8AC3E}">
+        <p14:creationId xmlns:p14="http://schemas.microsoft.com/office/powerpoint/2010/main" val="1580631068"/>
       </p:ext>
     </p:extLst>
   </p:cSld>
@@ -13579,7 +13660,7 @@
           <a:p>
             <a:r>
               <a:rPr lang="en-US" dirty="0"/>
-              <a:t>11/10/2025</a:t>
+              <a:t>11/14/2025</a:t>
             </a:r>
           </a:p>
         </p:txBody>
@@ -13588,237 +13669,6 @@
     <p:extLst>
       <p:ext uri="{BB962C8B-B14F-4D97-AF65-F5344CB8AC3E}">
         <p14:creationId xmlns:p14="http://schemas.microsoft.com/office/powerpoint/2010/main" val="4154997097"/>
-      </p:ext>
-    </p:extLst>
-  </p:cSld>
-  <p:clrMapOvr>
-    <a:masterClrMapping/>
-  </p:clrMapOvr>
-</p:sld>
-</file>
-
-<file path=ppt/slides/slide10.xml><?xml version="1.0" encoding="utf-8"?>
-<p:sld xmlns:a="http://schemas.openxmlformats.org/drawingml/2006/main" xmlns:r="http://schemas.openxmlformats.org/officeDocument/2006/relationships" xmlns:p="http://schemas.openxmlformats.org/presentationml/2006/main">
-  <p:cSld>
-    <p:spTree>
-      <p:nvGrpSpPr>
-        <p:cNvPr id="1" name=""/>
-        <p:cNvGrpSpPr/>
-        <p:nvPr/>
-      </p:nvGrpSpPr>
-      <p:grpSpPr>
-        <a:xfrm>
-          <a:off x="0" y="0"/>
-          <a:ext cx="0" cy="0"/>
-          <a:chOff x="0" y="0"/>
-          <a:chExt cx="0" cy="0"/>
-        </a:xfrm>
-      </p:grpSpPr>
-      <p:sp>
-        <p:nvSpPr>
-          <p:cNvPr id="2" name="Text Placeholder 1">
-            <a:extLst>
-              <a:ext uri="{FF2B5EF4-FFF2-40B4-BE49-F238E27FC236}">
-                <a16:creationId xmlns:a16="http://schemas.microsoft.com/office/drawing/2014/main" id="{11B29CAD-3B43-3BC0-D2EC-A53874ABB884}"/>
-              </a:ext>
-            </a:extLst>
-          </p:cNvPr>
-          <p:cNvSpPr>
-            <a:spLocks noGrp="1"/>
-          </p:cNvSpPr>
-          <p:nvPr>
-            <p:ph type="body" sz="quarter" idx="11"/>
-          </p:nvPr>
-        </p:nvSpPr>
-        <p:spPr/>
-        <p:txBody>
-          <a:bodyPr/>
-          <a:lstStyle/>
-          <a:p>
-            <a:r>
-              <a:rPr lang="en-US" dirty="0"/>
-              <a:t>Blockers &amp; Next Week’s Work</a:t>
-            </a:r>
-          </a:p>
-        </p:txBody>
-      </p:sp>
-      <p:sp>
-        <p:nvSpPr>
-          <p:cNvPr id="3" name="Text Placeholder 2">
-            <a:extLst>
-              <a:ext uri="{FF2B5EF4-FFF2-40B4-BE49-F238E27FC236}">
-                <a16:creationId xmlns:a16="http://schemas.microsoft.com/office/drawing/2014/main" id="{A9F87380-04A3-DD16-EAB3-0921830BDF50}"/>
-              </a:ext>
-            </a:extLst>
-          </p:cNvPr>
-          <p:cNvSpPr>
-            <a:spLocks noGrp="1"/>
-          </p:cNvSpPr>
-          <p:nvPr>
-            <p:ph type="body" sz="quarter" idx="10"/>
-          </p:nvPr>
-        </p:nvSpPr>
-        <p:spPr/>
-        <p:txBody>
-          <a:bodyPr/>
-          <a:lstStyle/>
-          <a:p>
-            <a:r>
-              <a:rPr lang="en-US" dirty="0"/>
-              <a:t>[Insert]</a:t>
-            </a:r>
-          </a:p>
-        </p:txBody>
-      </p:sp>
-      <p:sp>
-        <p:nvSpPr>
-          <p:cNvPr id="4" name="Title 3">
-            <a:extLst>
-              <a:ext uri="{FF2B5EF4-FFF2-40B4-BE49-F238E27FC236}">
-                <a16:creationId xmlns:a16="http://schemas.microsoft.com/office/drawing/2014/main" id="{47D02411-52BC-0A6C-B958-234593BB194F}"/>
-              </a:ext>
-            </a:extLst>
-          </p:cNvPr>
-          <p:cNvSpPr>
-            <a:spLocks noGrp="1"/>
-          </p:cNvSpPr>
-          <p:nvPr>
-            <p:ph type="title"/>
-          </p:nvPr>
-        </p:nvSpPr>
-        <p:spPr/>
-        <p:txBody>
-          <a:bodyPr/>
-          <a:lstStyle/>
-          <a:p>
-            <a:r>
-              <a:rPr lang="en-US" dirty="0"/>
-              <a:t>Next Week</a:t>
-            </a:r>
-          </a:p>
-        </p:txBody>
-      </p:sp>
-      <p:sp>
-        <p:nvSpPr>
-          <p:cNvPr id="5" name="Footer Placeholder 4">
-            <a:extLst>
-              <a:ext uri="{FF2B5EF4-FFF2-40B4-BE49-F238E27FC236}">
-                <a16:creationId xmlns:a16="http://schemas.microsoft.com/office/drawing/2014/main" id="{51BAB307-58AA-C3F2-0BBB-500351B01F7A}"/>
-              </a:ext>
-            </a:extLst>
-          </p:cNvPr>
-          <p:cNvSpPr>
-            <a:spLocks noGrp="1"/>
-          </p:cNvSpPr>
-          <p:nvPr>
-            <p:ph type="ftr" sz="quarter" idx="12"/>
-          </p:nvPr>
-        </p:nvSpPr>
-        <p:spPr/>
-        <p:txBody>
-          <a:bodyPr/>
-          <a:lstStyle/>
-          <a:p>
-            <a:pPr algn="r"/>
-            <a:r>
-              <a:rPr lang="en-US" dirty="0"/>
-              <a:t>6/7</a:t>
-            </a:r>
-          </a:p>
-        </p:txBody>
-      </p:sp>
-    </p:spTree>
-    <p:extLst>
-      <p:ext uri="{BB962C8B-B14F-4D97-AF65-F5344CB8AC3E}">
-        <p14:creationId xmlns:p14="http://schemas.microsoft.com/office/powerpoint/2010/main" val="257444251"/>
-      </p:ext>
-    </p:extLst>
-  </p:cSld>
-  <p:clrMapOvr>
-    <a:masterClrMapping/>
-  </p:clrMapOvr>
-</p:sld>
-</file>
-
-<file path=ppt/slides/slide11.xml><?xml version="1.0" encoding="utf-8"?>
-<p:sld xmlns:a="http://schemas.openxmlformats.org/drawingml/2006/main" xmlns:r="http://schemas.openxmlformats.org/officeDocument/2006/relationships" xmlns:p="http://schemas.openxmlformats.org/presentationml/2006/main">
-  <p:cSld>
-    <p:spTree>
-      <p:nvGrpSpPr>
-        <p:cNvPr id="1" name=""/>
-        <p:cNvGrpSpPr/>
-        <p:nvPr/>
-      </p:nvGrpSpPr>
-      <p:grpSpPr>
-        <a:xfrm>
-          <a:off x="0" y="0"/>
-          <a:ext cx="0" cy="0"/>
-          <a:chOff x="0" y="0"/>
-          <a:chExt cx="0" cy="0"/>
-        </a:xfrm>
-      </p:grpSpPr>
-      <p:sp>
-        <p:nvSpPr>
-          <p:cNvPr id="2" name="Title 1">
-            <a:extLst>
-              <a:ext uri="{FF2B5EF4-FFF2-40B4-BE49-F238E27FC236}">
-                <a16:creationId xmlns:a16="http://schemas.microsoft.com/office/drawing/2014/main" id="{E4E72CBA-026F-7E96-546F-23B8813A83DA}"/>
-              </a:ext>
-            </a:extLst>
-          </p:cNvPr>
-          <p:cNvSpPr>
-            <a:spLocks noGrp="1"/>
-          </p:cNvSpPr>
-          <p:nvPr>
-            <p:ph type="title"/>
-          </p:nvPr>
-        </p:nvSpPr>
-        <p:spPr/>
-        <p:txBody>
-          <a:bodyPr/>
-          <a:lstStyle/>
-          <a:p>
-            <a:r>
-              <a:rPr lang="en-US" dirty="0"/>
-              <a:t>Thank You</a:t>
-            </a:r>
-          </a:p>
-        </p:txBody>
-      </p:sp>
-      <p:sp>
-        <p:nvSpPr>
-          <p:cNvPr id="3" name="Text Placeholder 2">
-            <a:extLst>
-              <a:ext uri="{FF2B5EF4-FFF2-40B4-BE49-F238E27FC236}">
-                <a16:creationId xmlns:a16="http://schemas.microsoft.com/office/drawing/2014/main" id="{CE8FBDCD-BC38-D4A8-A210-EA02F2610057}"/>
-              </a:ext>
-            </a:extLst>
-          </p:cNvPr>
-          <p:cNvSpPr>
-            <a:spLocks noGrp="1"/>
-          </p:cNvSpPr>
-          <p:nvPr>
-            <p:ph type="body" sz="quarter" idx="10"/>
-          </p:nvPr>
-        </p:nvSpPr>
-        <p:spPr/>
-        <p:txBody>
-          <a:bodyPr>
-            <a:normAutofit/>
-          </a:bodyPr>
-          <a:lstStyle/>
-          <a:p>
-            <a:r>
-              <a:rPr lang="en-US" dirty="0"/>
-              <a:t>Purdue Polytechnic Institute</a:t>
-            </a:r>
-          </a:p>
-        </p:txBody>
-      </p:sp>
-    </p:spTree>
-    <p:extLst>
-      <p:ext uri="{BB962C8B-B14F-4D97-AF65-F5344CB8AC3E}">
-        <p14:creationId xmlns:p14="http://schemas.microsoft.com/office/powerpoint/2010/main" val="3555266232"/>
       </p:ext>
     </p:extLst>
   </p:cSld>
@@ -13900,7 +13750,7 @@
             </a:pPr>
             <a:r>
               <a:rPr lang="en-US" dirty="0"/>
-              <a:t>Calculations for Remote Charging</a:t>
+              <a:t>PCBA Setup for Ordering</a:t>
             </a:r>
           </a:p>
           <a:p>
@@ -13910,7 +13760,27 @@
             </a:pPr>
             <a:r>
               <a:rPr lang="en-US" dirty="0"/>
-              <a:t>Finding Commercial Sensors for Strain and Force</a:t>
+              <a:t>BOM Generation</a:t>
+            </a:r>
+          </a:p>
+          <a:p>
+            <a:pPr marL="285750" indent="-285750">
+              <a:buFont typeface="Arial" panose="020B0604020202020204" pitchFamily="34" charset="0"/>
+              <a:buChar char="•"/>
+            </a:pPr>
+            <a:r>
+              <a:rPr lang="en-US" dirty="0"/>
+              <a:t>Final Routing</a:t>
+            </a:r>
+          </a:p>
+          <a:p>
+            <a:pPr marL="285750" indent="-285750">
+              <a:buFont typeface="Arial" panose="020B0604020202020204" pitchFamily="34" charset="0"/>
+              <a:buChar char="•"/>
+            </a:pPr>
+            <a:r>
+              <a:rPr lang="en-US" dirty="0"/>
+              <a:t>Ordering PCB</a:t>
             </a:r>
           </a:p>
         </p:txBody>
@@ -14025,7 +13895,7 @@
           <a:p>
             <a:r>
               <a:rPr lang="en-US" dirty="0"/>
-              <a:t>Power is suitable for Remote Charging at lower ranges</a:t>
+              <a:t>Using JLCPCB as a vendor</a:t>
             </a:r>
           </a:p>
         </p:txBody>
@@ -14053,7 +13923,7 @@
           <a:p>
             <a:r>
               <a:rPr lang="en-US" dirty="0"/>
-              <a:t>Calculations for Remote Charging</a:t>
+              <a:t>PCBA Setup for Ordering</a:t>
             </a:r>
           </a:p>
         </p:txBody>
@@ -14108,9 +13978,91 @@
           <a:bodyPr/>
           <a:lstStyle/>
           <a:p>
-            <a:r>
-              <a:rPr lang="en-US" dirty="0"/>
-              <a:t>[Insert Here]</a:t>
+            <a:pPr marL="285750" indent="-285750">
+              <a:buFont typeface="Arial" panose="020B0604020202020204" pitchFamily="34" charset="0"/>
+              <a:buChar char="•"/>
+            </a:pPr>
+            <a:r>
+              <a:rPr lang="en-US" dirty="0"/>
+              <a:t>Options:</a:t>
+            </a:r>
+          </a:p>
+          <a:p>
+            <a:pPr marL="628650" lvl="1" indent="-285750">
+              <a:buFont typeface="Arial" panose="020B0604020202020204" pitchFamily="34" charset="0"/>
+              <a:buChar char="•"/>
+            </a:pPr>
+            <a:r>
+              <a:rPr lang="en-US" dirty="0"/>
+              <a:t>JLCPCB</a:t>
+            </a:r>
+          </a:p>
+          <a:p>
+            <a:pPr marL="628650" lvl="1" indent="-285750">
+              <a:buFont typeface="Arial" panose="020B0604020202020204" pitchFamily="34" charset="0"/>
+              <a:buChar char="•"/>
+            </a:pPr>
+            <a:r>
+              <a:rPr lang="en-US" dirty="0" err="1"/>
+              <a:t>PCBWay</a:t>
+            </a:r>
+            <a:endParaRPr lang="en-US" dirty="0"/>
+          </a:p>
+          <a:p>
+            <a:pPr marL="628650" lvl="1" indent="-285750">
+              <a:buFont typeface="Arial" panose="020B0604020202020204" pitchFamily="34" charset="0"/>
+              <a:buChar char="•"/>
+            </a:pPr>
+            <a:r>
+              <a:rPr lang="en-US" dirty="0"/>
+              <a:t>PCB Trace</a:t>
+            </a:r>
+          </a:p>
+          <a:p>
+            <a:pPr marL="285750" indent="-285750">
+              <a:buFont typeface="Arial" panose="020B0604020202020204" pitchFamily="34" charset="0"/>
+              <a:buChar char="•"/>
+            </a:pPr>
+            <a:r>
+              <a:rPr lang="en-US" dirty="0"/>
+              <a:t>All have ~24 hour lead time</a:t>
+            </a:r>
+          </a:p>
+          <a:p>
+            <a:pPr marL="285750" indent="-285750">
+              <a:buFont typeface="Arial" panose="020B0604020202020204" pitchFamily="34" charset="0"/>
+              <a:buChar char="•"/>
+            </a:pPr>
+            <a:r>
+              <a:rPr lang="en-US" dirty="0"/>
+              <a:t>Ship time varies</a:t>
+            </a:r>
+          </a:p>
+          <a:p>
+            <a:pPr marL="285750" indent="-285750">
+              <a:buFont typeface="Arial" panose="020B0604020202020204" pitchFamily="34" charset="0"/>
+              <a:buChar char="•"/>
+            </a:pPr>
+            <a:r>
+              <a:rPr lang="en-US" dirty="0"/>
+              <a:t>PCBA on JLCPCB Parts: </a:t>
+            </a:r>
+            <a:r>
+              <a:rPr lang="en-US" dirty="0">
+                <a:hlinkClick r:id="rId2"/>
+              </a:rPr>
+              <a:t>https://jlcpcb.com/parts/in-stock-parts</a:t>
+            </a:r>
+            <a:endParaRPr lang="en-US" dirty="0"/>
+          </a:p>
+          <a:p>
+            <a:pPr marL="628650" lvl="1" indent="-285750">
+              <a:buFont typeface="Arial" panose="020B0604020202020204" pitchFamily="34" charset="0"/>
+              <a:buChar char="•"/>
+            </a:pPr>
+            <a:r>
+              <a:rPr lang="en-US" dirty="0"/>
+              <a:t>Some parts may be unavailable, need to find alternatives</a:t>
             </a:r>
           </a:p>
         </p:txBody>
@@ -14174,7 +14126,7 @@
           <a:p>
             <a:r>
               <a:rPr lang="en-US" dirty="0"/>
-              <a:t>Data found from Remote Charging</a:t>
+              <a:t>~20 Components on BOM, listed below</a:t>
             </a:r>
           </a:p>
         </p:txBody>
@@ -14202,7 +14154,7 @@
           <a:p>
             <a:r>
               <a:rPr lang="en-US" dirty="0"/>
-              <a:t>Calculations for Remote Charging</a:t>
+              <a:t>BOM Generation</a:t>
             </a:r>
           </a:p>
         </p:txBody>
@@ -14257,13 +14209,62 @@
           <a:bodyPr/>
           <a:lstStyle/>
           <a:p>
-            <a:r>
-              <a:rPr lang="en-US" dirty="0"/>
-              <a:t>[Insert Here]</a:t>
-            </a:r>
-          </a:p>
-        </p:txBody>
-      </p:sp>
+            <a:pPr marL="285750" indent="-285750">
+              <a:buFont typeface="Arial" panose="020B0604020202020204" pitchFamily="34" charset="0"/>
+              <a:buChar char="•"/>
+            </a:pPr>
+            <a:r>
+              <a:rPr lang="en-US" dirty="0"/>
+              <a:t>BOM Created with JLC Extension in </a:t>
+            </a:r>
+            <a:r>
+              <a:rPr lang="en-US" dirty="0" err="1"/>
+              <a:t>KiCAD</a:t>
+            </a:r>
+            <a:r>
+              <a:rPr lang="en-US" dirty="0"/>
+              <a:t>:</a:t>
+            </a:r>
+          </a:p>
+          <a:p>
+            <a:pPr marL="285750" indent="-285750">
+              <a:buFont typeface="Arial" panose="020B0604020202020204" pitchFamily="34" charset="0"/>
+              <a:buChar char="•"/>
+            </a:pPr>
+            <a:endParaRPr lang="en-US" dirty="0"/>
+          </a:p>
+        </p:txBody>
+      </p:sp>
+      <p:pic>
+        <p:nvPicPr>
+          <p:cNvPr id="6" name="Picture 5" descr="A screenshot of a calculator&#10;&#10;AI-generated content may be incorrect.">
+            <a:extLst>
+              <a:ext uri="{FF2B5EF4-FFF2-40B4-BE49-F238E27FC236}">
+                <a16:creationId xmlns:a16="http://schemas.microsoft.com/office/drawing/2014/main" id="{DD72EB81-DAE4-1B6E-3C86-E99BB51F72E7}"/>
+              </a:ext>
+            </a:extLst>
+          </p:cNvPr>
+          <p:cNvPicPr>
+            <a:picLocks noChangeAspect="1"/>
+          </p:cNvPicPr>
+          <p:nvPr/>
+        </p:nvPicPr>
+        <p:blipFill>
+          <a:blip r:embed="rId2"/>
+          <a:stretch>
+            <a:fillRect/>
+          </a:stretch>
+        </p:blipFill>
+        <p:spPr>
+          <a:xfrm>
+            <a:off x="457200" y="2058570"/>
+            <a:ext cx="7772400" cy="3556585"/>
+          </a:xfrm>
+          <a:prstGeom prst="rect">
+            <a:avLst/>
+          </a:prstGeom>
+        </p:spPr>
+      </p:pic>
     </p:spTree>
     <p:extLst>
       <p:ext uri="{BB962C8B-B14F-4D97-AF65-F5344CB8AC3E}">
@@ -14285,7 +14286,7 @@
         <p:cNvPr id="1" name="">
           <a:extLst>
             <a:ext uri="{FF2B5EF4-FFF2-40B4-BE49-F238E27FC236}">
-              <a16:creationId xmlns:a16="http://schemas.microsoft.com/office/drawing/2014/main" id="{951B226E-CBC3-99F2-3E15-520E51994450}"/>
+              <a16:creationId xmlns:a16="http://schemas.microsoft.com/office/drawing/2014/main" id="{978C2B53-2197-AC10-8B86-1BCC7770FD9C}"/>
             </a:ext>
           </a:extLst>
         </p:cNvPr>
@@ -14305,7 +14306,7 @@
           <p:cNvPr id="2" name="Text Placeholder 1">
             <a:extLst>
               <a:ext uri="{FF2B5EF4-FFF2-40B4-BE49-F238E27FC236}">
-                <a16:creationId xmlns:a16="http://schemas.microsoft.com/office/drawing/2014/main" id="{01B2EC4F-C344-1C9B-AF1E-D97093EE8675}"/>
+                <a16:creationId xmlns:a16="http://schemas.microsoft.com/office/drawing/2014/main" id="{7651B4A9-8CF2-38F7-71B8-62262839633E}"/>
               </a:ext>
             </a:extLst>
           </p:cNvPr>
@@ -14323,17 +14324,74 @@
           <a:p>
             <a:r>
               <a:rPr lang="en-US" dirty="0"/>
-              <a:t>Commercial Strain and Force Gauges options found</a:t>
-            </a:r>
-          </a:p>
-        </p:txBody>
-      </p:sp>
-      <p:sp>
-        <p:nvSpPr>
-          <p:cNvPr id="3" name="Text Placeholder 2">
-            <a:extLst>
-              <a:ext uri="{FF2B5EF4-FFF2-40B4-BE49-F238E27FC236}">
-                <a16:creationId xmlns:a16="http://schemas.microsoft.com/office/drawing/2014/main" id="{60016D4B-FA89-ACC7-0B2F-B70562A1E9F1}"/>
+              <a:t>Several Design Choices/Sacrifices had to be made</a:t>
+            </a:r>
+          </a:p>
+        </p:txBody>
+      </p:sp>
+      <p:sp>
+        <p:nvSpPr>
+          <p:cNvPr id="4" name="Title 3">
+            <a:extLst>
+              <a:ext uri="{FF2B5EF4-FFF2-40B4-BE49-F238E27FC236}">
+                <a16:creationId xmlns:a16="http://schemas.microsoft.com/office/drawing/2014/main" id="{BB54DDBE-B804-6A26-AE7A-CDF5C53299AD}"/>
+              </a:ext>
+            </a:extLst>
+          </p:cNvPr>
+          <p:cNvSpPr>
+            <a:spLocks noGrp="1"/>
+          </p:cNvSpPr>
+          <p:nvPr>
+            <p:ph type="title"/>
+          </p:nvPr>
+        </p:nvSpPr>
+        <p:spPr/>
+        <p:txBody>
+          <a:bodyPr/>
+          <a:lstStyle/>
+          <a:p>
+            <a:r>
+              <a:rPr lang="en-US" dirty="0"/>
+              <a:t>Final Routing</a:t>
+            </a:r>
+          </a:p>
+        </p:txBody>
+      </p:sp>
+      <p:sp>
+        <p:nvSpPr>
+          <p:cNvPr id="5" name="Footer Placeholder 4">
+            <a:extLst>
+              <a:ext uri="{FF2B5EF4-FFF2-40B4-BE49-F238E27FC236}">
+                <a16:creationId xmlns:a16="http://schemas.microsoft.com/office/drawing/2014/main" id="{5817A11C-BF3B-D4DF-40CF-3030919CADCF}"/>
+              </a:ext>
+            </a:extLst>
+          </p:cNvPr>
+          <p:cNvSpPr>
+            <a:spLocks noGrp="1"/>
+          </p:cNvSpPr>
+          <p:nvPr>
+            <p:ph type="ftr" sz="quarter" idx="12"/>
+          </p:nvPr>
+        </p:nvSpPr>
+        <p:spPr/>
+        <p:txBody>
+          <a:bodyPr/>
+          <a:lstStyle/>
+          <a:p>
+            <a:pPr algn="r"/>
+            <a:r>
+              <a:rPr lang="en-US" dirty="0"/>
+              <a:t>3/7</a:t>
+            </a:r>
+          </a:p>
+        </p:txBody>
+      </p:sp>
+      <p:sp>
+        <p:nvSpPr>
+          <p:cNvPr id="8" name="Text Placeholder 7">
+            <a:extLst>
+              <a:ext uri="{FF2B5EF4-FFF2-40B4-BE49-F238E27FC236}">
+                <a16:creationId xmlns:a16="http://schemas.microsoft.com/office/drawing/2014/main" id="{0E4D6CF3-D177-4972-CB7D-29A6E26FC5FC}"/>
               </a:ext>
             </a:extLst>
           </p:cNvPr>
@@ -14355,190 +14413,75 @@
             </a:pPr>
             <a:r>
               <a:rPr lang="en-US" dirty="0"/>
-              <a:t>Force Gauge</a:t>
-            </a:r>
-          </a:p>
-          <a:p>
-            <a:pPr marL="628650" lvl="1" indent="-285750">
-              <a:buFont typeface="Arial" panose="020B0604020202020204" pitchFamily="34" charset="0"/>
-              <a:buChar char="•"/>
-            </a:pPr>
-            <a:r>
-              <a:rPr lang="en-US" dirty="0" err="1"/>
-              <a:t>FlexiForce</a:t>
-            </a:r>
-            <a:r>
-              <a:rPr lang="en-US" dirty="0"/>
-              <a:t> A201-1</a:t>
-            </a:r>
-          </a:p>
-          <a:p>
-            <a:pPr marL="628650" lvl="1" indent="-285750">
-              <a:buFont typeface="Arial" panose="020B0604020202020204" pitchFamily="34" charset="0"/>
-              <a:buChar char="•"/>
-            </a:pPr>
-            <a:r>
-              <a:rPr lang="en-US" dirty="0"/>
-              <a:t>Interlink FSR 402</a:t>
-            </a:r>
-          </a:p>
-          <a:p>
-            <a:pPr marL="628650" lvl="1" indent="-285750">
-              <a:buFont typeface="Arial" panose="020B0604020202020204" pitchFamily="34" charset="0"/>
-              <a:buChar char="•"/>
-            </a:pPr>
-            <a:r>
-              <a:rPr lang="en-US" dirty="0"/>
-              <a:t>DF9-40 FSR Sensor</a:t>
-            </a:r>
-          </a:p>
-          <a:p>
-            <a:pPr marL="628650" lvl="1" indent="-285750">
-              <a:buFont typeface="Arial" panose="020B0604020202020204" pitchFamily="34" charset="0"/>
-              <a:buChar char="•"/>
-            </a:pPr>
-            <a:r>
-              <a:rPr lang="en-US" dirty="0" err="1"/>
-              <a:t>Tekscan</a:t>
-            </a:r>
-            <a:r>
-              <a:rPr lang="en-US" dirty="0"/>
-              <a:t> A301</a:t>
-            </a:r>
-          </a:p>
-          <a:p>
-            <a:pPr marL="285750" indent="-285750">
-              <a:buFont typeface="Arial" panose="020B0604020202020204" pitchFamily="34" charset="0"/>
-              <a:buChar char="•"/>
-            </a:pPr>
-            <a:r>
-              <a:rPr lang="en-US" dirty="0"/>
-              <a:t>Strain Gauge:</a:t>
-            </a:r>
-          </a:p>
-          <a:p>
-            <a:pPr marL="628650" lvl="1" indent="-285750">
-              <a:buFont typeface="Arial" panose="020B0604020202020204" pitchFamily="34" charset="0"/>
-              <a:buChar char="•"/>
-            </a:pPr>
-            <a:r>
-              <a:rPr lang="en-US" dirty="0"/>
-              <a:t>Omega SGD-3/350-LY11 </a:t>
-            </a:r>
-          </a:p>
-          <a:p>
-            <a:pPr marL="628650" lvl="1" indent="-285750">
-              <a:buFont typeface="Arial" panose="020B0604020202020204" pitchFamily="34" charset="0"/>
-              <a:buChar char="•"/>
-            </a:pPr>
-            <a:r>
-              <a:rPr lang="en-US" dirty="0"/>
-              <a:t>Vishay CEA-06-250UW-350 </a:t>
-            </a:r>
-          </a:p>
-          <a:p>
-            <a:pPr marL="628650" lvl="1" indent="-285750">
-              <a:buFont typeface="Arial" panose="020B0604020202020204" pitchFamily="34" charset="0"/>
-              <a:buChar char="•"/>
-            </a:pPr>
-            <a:r>
-              <a:rPr lang="en-US" dirty="0"/>
-              <a:t>DF9-40 Capacitive Bend Sensor</a:t>
-            </a:r>
-          </a:p>
-          <a:p>
-            <a:pPr marL="285750" indent="-285750">
-              <a:buFont typeface="Arial" panose="020B0604020202020204" pitchFamily="34" charset="0"/>
-              <a:buChar char="•"/>
-            </a:pPr>
-            <a:r>
-              <a:rPr lang="en-US" dirty="0"/>
-              <a:t>Interface/Read Out Components</a:t>
-            </a:r>
-          </a:p>
-          <a:p>
-            <a:pPr marL="628650" lvl="1" indent="-285750">
-              <a:buFont typeface="Arial" panose="020B0604020202020204" pitchFamily="34" charset="0"/>
-              <a:buChar char="•"/>
-            </a:pPr>
-            <a:r>
-              <a:rPr lang="en-US" dirty="0"/>
-              <a:t>AD623 – Instrumental Amplifier</a:t>
-            </a:r>
-          </a:p>
-          <a:p>
-            <a:pPr marL="628650" lvl="1" indent="-285750">
-              <a:buFont typeface="Arial" panose="020B0604020202020204" pitchFamily="34" charset="0"/>
-              <a:buChar char="•"/>
-            </a:pPr>
-            <a:r>
-              <a:rPr lang="en-US" dirty="0"/>
-              <a:t>HX711 – Load Cell Amplifier</a:t>
-            </a:r>
-          </a:p>
-        </p:txBody>
-      </p:sp>
-      <p:sp>
-        <p:nvSpPr>
-          <p:cNvPr id="4" name="Title 3">
-            <a:extLst>
-              <a:ext uri="{FF2B5EF4-FFF2-40B4-BE49-F238E27FC236}">
-                <a16:creationId xmlns:a16="http://schemas.microsoft.com/office/drawing/2014/main" id="{281E2E95-C83A-B1FD-F73F-B50A289AD1C5}"/>
-              </a:ext>
-            </a:extLst>
-          </p:cNvPr>
-          <p:cNvSpPr>
-            <a:spLocks noGrp="1"/>
-          </p:cNvSpPr>
-          <p:nvPr>
-            <p:ph type="title"/>
-          </p:nvPr>
-        </p:nvSpPr>
-        <p:spPr/>
-        <p:txBody>
-          <a:bodyPr/>
-          <a:lstStyle/>
-          <a:p>
-            <a:r>
-              <a:rPr lang="en-US" dirty="0"/>
-              <a:t>Finding Commercial Sensors for Strain and Force </a:t>
-            </a:r>
-          </a:p>
-        </p:txBody>
-      </p:sp>
-      <p:sp>
-        <p:nvSpPr>
-          <p:cNvPr id="5" name="Footer Placeholder 4">
-            <a:extLst>
-              <a:ext uri="{FF2B5EF4-FFF2-40B4-BE49-F238E27FC236}">
-                <a16:creationId xmlns:a16="http://schemas.microsoft.com/office/drawing/2014/main" id="{A04F7493-BB2F-56E6-8E8A-F7D55F516C91}"/>
-              </a:ext>
-            </a:extLst>
-          </p:cNvPr>
-          <p:cNvSpPr>
-            <a:spLocks noGrp="1"/>
-          </p:cNvSpPr>
-          <p:nvPr>
-            <p:ph type="ftr" sz="quarter" idx="12"/>
-          </p:nvPr>
-        </p:nvSpPr>
-        <p:spPr/>
-        <p:txBody>
-          <a:bodyPr/>
-          <a:lstStyle/>
-          <a:p>
-            <a:pPr algn="r"/>
-            <a:r>
-              <a:rPr lang="en-US" dirty="0"/>
-              <a:t>4/7</a:t>
-            </a:r>
-          </a:p>
-        </p:txBody>
-      </p:sp>
+              <a:t>Finished Rev. 1 Design</a:t>
+            </a:r>
+          </a:p>
+        </p:txBody>
+      </p:sp>
+      <p:pic>
+        <p:nvPicPr>
+          <p:cNvPr id="7" name="Picture 6" descr="A green circuit board with a black microchip&#10;&#10;AI-generated content may be incorrect.">
+            <a:extLst>
+              <a:ext uri="{FF2B5EF4-FFF2-40B4-BE49-F238E27FC236}">
+                <a16:creationId xmlns:a16="http://schemas.microsoft.com/office/drawing/2014/main" id="{4773908B-57F9-8418-D9F5-C98EEB592F72}"/>
+              </a:ext>
+            </a:extLst>
+          </p:cNvPr>
+          <p:cNvPicPr>
+            <a:picLocks noChangeAspect="1"/>
+          </p:cNvPicPr>
+          <p:nvPr/>
+        </p:nvPicPr>
+        <p:blipFill>
+          <a:blip r:embed="rId2"/>
+          <a:stretch>
+            <a:fillRect/>
+          </a:stretch>
+        </p:blipFill>
+        <p:spPr>
+          <a:xfrm>
+            <a:off x="5122985" y="2129097"/>
+            <a:ext cx="3678114" cy="4092206"/>
+          </a:xfrm>
+          <a:prstGeom prst="rect">
+            <a:avLst/>
+          </a:prstGeom>
+        </p:spPr>
+      </p:pic>
+      <p:pic>
+        <p:nvPicPr>
+          <p:cNvPr id="12" name="Picture 11" descr="A green circuit board with white wires and yellow circles&#10;&#10;AI-generated content may be incorrect.">
+            <a:extLst>
+              <a:ext uri="{FF2B5EF4-FFF2-40B4-BE49-F238E27FC236}">
+                <a16:creationId xmlns:a16="http://schemas.microsoft.com/office/drawing/2014/main" id="{E00003FF-B0E1-194F-55DE-E13100E1F9F5}"/>
+              </a:ext>
+            </a:extLst>
+          </p:cNvPr>
+          <p:cNvPicPr>
+            <a:picLocks noChangeAspect="1"/>
+          </p:cNvPicPr>
+          <p:nvPr/>
+        </p:nvPicPr>
+        <p:blipFill>
+          <a:blip r:embed="rId3"/>
+          <a:stretch>
+            <a:fillRect/>
+          </a:stretch>
+        </p:blipFill>
+        <p:spPr>
+          <a:xfrm>
+            <a:off x="504092" y="2221506"/>
+            <a:ext cx="4402645" cy="3888160"/>
+          </a:xfrm>
+          <a:prstGeom prst="rect">
+            <a:avLst/>
+          </a:prstGeom>
+        </p:spPr>
+      </p:pic>
     </p:spTree>
     <p:extLst>
       <p:ext uri="{BB962C8B-B14F-4D97-AF65-F5344CB8AC3E}">
-        <p14:creationId xmlns:p14="http://schemas.microsoft.com/office/powerpoint/2010/main" val="915386961"/>
+        <p14:creationId xmlns:p14="http://schemas.microsoft.com/office/powerpoint/2010/main" val="2358453131"/>
       </p:ext>
     </p:extLst>
   </p:cSld>
@@ -14556,7 +14499,7 @@
         <p:cNvPr id="1" name="">
           <a:extLst>
             <a:ext uri="{FF2B5EF4-FFF2-40B4-BE49-F238E27FC236}">
-              <a16:creationId xmlns:a16="http://schemas.microsoft.com/office/drawing/2014/main" id="{CEE2420D-15AF-BB0B-9CC2-B03EB4E7282F}"/>
+              <a16:creationId xmlns:a16="http://schemas.microsoft.com/office/drawing/2014/main" id="{0D5A71EC-2697-80FB-9277-F0CEA131DFFA}"/>
             </a:ext>
           </a:extLst>
         </p:cNvPr>
@@ -14576,7 +14519,7 @@
           <p:cNvPr id="2" name="Text Placeholder 1">
             <a:extLst>
               <a:ext uri="{FF2B5EF4-FFF2-40B4-BE49-F238E27FC236}">
-                <a16:creationId xmlns:a16="http://schemas.microsoft.com/office/drawing/2014/main" id="{1C7AF3C2-D463-CDF1-C4E2-8E531A397EFC}"/>
+                <a16:creationId xmlns:a16="http://schemas.microsoft.com/office/drawing/2014/main" id="{C5BA75B2-624D-50AB-BEEF-04B117AC9108}"/>
               </a:ext>
             </a:extLst>
           </p:cNvPr>
@@ -14594,7 +14537,23 @@
           <a:p>
             <a:r>
               <a:rPr lang="en-US" dirty="0"/>
-              <a:t>Resistive vs. Capacitive Force Sensors</a:t>
+              <a:t>From JLCPCB’s website with .</a:t>
+            </a:r>
+            <a:r>
+              <a:rPr lang="en-US" dirty="0" err="1"/>
+              <a:t>bom</a:t>
+            </a:r>
+            <a:r>
+              <a:rPr lang="en-US" dirty="0"/>
+              <a:t> and .</a:t>
+            </a:r>
+            <a:r>
+              <a:rPr lang="en-US" dirty="0" err="1"/>
+              <a:t>gerber</a:t>
+            </a:r>
+            <a:r>
+              <a:rPr lang="en-US" dirty="0"/>
+              <a:t> files</a:t>
             </a:r>
           </a:p>
         </p:txBody>
@@ -14604,7 +14563,7 @@
           <p:cNvPr id="4" name="Title 3">
             <a:extLst>
               <a:ext uri="{FF2B5EF4-FFF2-40B4-BE49-F238E27FC236}">
-                <a16:creationId xmlns:a16="http://schemas.microsoft.com/office/drawing/2014/main" id="{E47103F8-C466-3968-0E4A-AF83A36EDA7E}"/>
+                <a16:creationId xmlns:a16="http://schemas.microsoft.com/office/drawing/2014/main" id="{C0A6A229-63AC-6D57-ED86-FE124BD4A913}"/>
               </a:ext>
             </a:extLst>
           </p:cNvPr>
@@ -14622,7 +14581,7 @@
           <a:p>
             <a:r>
               <a:rPr lang="en-US" dirty="0"/>
-              <a:t>Finding Commercial Sensors for Strain and Force </a:t>
+              <a:t>Ordering PCB</a:t>
             </a:r>
           </a:p>
         </p:txBody>
@@ -14632,7 +14591,7 @@
           <p:cNvPr id="5" name="Footer Placeholder 4">
             <a:extLst>
               <a:ext uri="{FF2B5EF4-FFF2-40B4-BE49-F238E27FC236}">
-                <a16:creationId xmlns:a16="http://schemas.microsoft.com/office/drawing/2014/main" id="{80BA84BE-8872-1C97-3E81-88B122370008}"/>
+                <a16:creationId xmlns:a16="http://schemas.microsoft.com/office/drawing/2014/main" id="{53853263-3496-A1F5-90B2-7573652589C3}"/>
               </a:ext>
             </a:extLst>
           </p:cNvPr>
@@ -14651,699 +14610,47 @@
             <a:pPr algn="r"/>
             <a:r>
               <a:rPr lang="en-US" dirty="0"/>
-              <a:t>            5/7</a:t>
-            </a:r>
-          </a:p>
-        </p:txBody>
-      </p:sp>
-      <p:graphicFrame>
-        <p:nvGraphicFramePr>
-          <p:cNvPr id="6" name="Table 5">
-            <a:extLst>
-              <a:ext uri="{FF2B5EF4-FFF2-40B4-BE49-F238E27FC236}">
-                <a16:creationId xmlns:a16="http://schemas.microsoft.com/office/drawing/2014/main" id="{8C22C5F5-BF47-C73E-900A-00EABC7D609B}"/>
-              </a:ext>
-            </a:extLst>
-          </p:cNvPr>
-          <p:cNvGraphicFramePr>
-            <a:graphicFrameLocks noGrp="1"/>
-          </p:cNvGraphicFramePr>
-          <p:nvPr>
-            <p:extLst>
-              <p:ext uri="{D42A27DB-BD31-4B8C-83A1-F6EECF244321}">
-                <p14:modId xmlns:p14="http://schemas.microsoft.com/office/powerpoint/2010/main" val="1936984000"/>
-              </p:ext>
-            </p:extLst>
-          </p:nvPr>
-        </p:nvGraphicFramePr>
-        <p:xfrm>
-          <a:off x="342899" y="1320051"/>
-          <a:ext cx="8458200" cy="4718358"/>
-        </p:xfrm>
-        <a:graphic>
-          <a:graphicData uri="http://schemas.openxmlformats.org/drawingml/2006/table">
-            <a:tbl>
-              <a:tblPr firstRow="1" bandRow="1">
-                <a:tableStyleId>{5C22544A-7EE6-4342-B048-85BDC9FD1C3A}</a:tableStyleId>
-              </a:tblPr>
-              <a:tblGrid>
-                <a:gridCol w="1691640">
-                  <a:extLst>
-                    <a:ext uri="{9D8B030D-6E8A-4147-A177-3AD203B41FA5}">
-                      <a16:colId xmlns:a16="http://schemas.microsoft.com/office/drawing/2014/main" val="1538915907"/>
-                    </a:ext>
-                  </a:extLst>
-                </a:gridCol>
-                <a:gridCol w="1691640">
-                  <a:extLst>
-                    <a:ext uri="{9D8B030D-6E8A-4147-A177-3AD203B41FA5}">
-                      <a16:colId xmlns:a16="http://schemas.microsoft.com/office/drawing/2014/main" val="2849397471"/>
-                    </a:ext>
-                  </a:extLst>
-                </a:gridCol>
-                <a:gridCol w="1691640">
-                  <a:extLst>
-                    <a:ext uri="{9D8B030D-6E8A-4147-A177-3AD203B41FA5}">
-                      <a16:colId xmlns:a16="http://schemas.microsoft.com/office/drawing/2014/main" val="1051046754"/>
-                    </a:ext>
-                  </a:extLst>
-                </a:gridCol>
-                <a:gridCol w="1691640">
-                  <a:extLst>
-                    <a:ext uri="{9D8B030D-6E8A-4147-A177-3AD203B41FA5}">
-                      <a16:colId xmlns:a16="http://schemas.microsoft.com/office/drawing/2014/main" val="2740336631"/>
-                    </a:ext>
-                  </a:extLst>
-                </a:gridCol>
-                <a:gridCol w="1691640">
-                  <a:extLst>
-                    <a:ext uri="{9D8B030D-6E8A-4147-A177-3AD203B41FA5}">
-                      <a16:colId xmlns:a16="http://schemas.microsoft.com/office/drawing/2014/main" val="2553087240"/>
-                    </a:ext>
-                  </a:extLst>
-                </a:gridCol>
-              </a:tblGrid>
-              <a:tr h="668283">
-                <a:tc>
-                  <a:txBody>
-                    <a:bodyPr/>
-                    <a:lstStyle/>
-                    <a:p>
-                      <a:pPr>
-                        <a:buNone/>
-                      </a:pPr>
-                      <a:r>
-                        <a:rPr lang="en-US" dirty="0"/>
-                        <a:t>Sensor</a:t>
-                      </a:r>
-                    </a:p>
-                  </a:txBody>
-                  <a:tcPr anchor="ctr"/>
-                </a:tc>
-                <a:tc>
-                  <a:txBody>
-                    <a:bodyPr/>
-                    <a:lstStyle/>
-                    <a:p>
-                      <a:pPr>
-                        <a:buNone/>
-                      </a:pPr>
-                      <a:r>
-                        <a:rPr lang="en-US"/>
-                        <a:t>Type</a:t>
-                      </a:r>
-                    </a:p>
-                  </a:txBody>
-                  <a:tcPr anchor="ctr"/>
-                </a:tc>
-                <a:tc>
-                  <a:txBody>
-                    <a:bodyPr/>
-                    <a:lstStyle/>
-                    <a:p>
-                      <a:pPr>
-                        <a:buNone/>
-                      </a:pPr>
-                      <a:r>
-                        <a:rPr lang="en-US"/>
-                        <a:t>Force Range</a:t>
-                      </a:r>
-                    </a:p>
-                  </a:txBody>
-                  <a:tcPr anchor="ctr"/>
-                </a:tc>
-                <a:tc>
-                  <a:txBody>
-                    <a:bodyPr/>
-                    <a:lstStyle/>
-                    <a:p>
-                      <a:pPr>
-                        <a:buNone/>
-                      </a:pPr>
-                      <a:r>
-                        <a:rPr lang="en-US"/>
-                        <a:t>Sensitivity</a:t>
-                      </a:r>
-                    </a:p>
-                  </a:txBody>
-                  <a:tcPr anchor="ctr"/>
-                </a:tc>
-                <a:tc>
-                  <a:txBody>
-                    <a:bodyPr/>
-                    <a:lstStyle/>
-                    <a:p>
-                      <a:pPr>
-                        <a:buNone/>
-                      </a:pPr>
-                      <a:r>
-                        <a:rPr lang="en-US"/>
-                        <a:t>Approx. Cost</a:t>
-                      </a:r>
-                    </a:p>
-                  </a:txBody>
-                  <a:tcPr anchor="ctr"/>
-                </a:tc>
-                <a:extLst>
-                  <a:ext uri="{0D108BD9-81ED-4DB2-BD59-A6C34878D82A}">
-                    <a16:rowId xmlns:a16="http://schemas.microsoft.com/office/drawing/2014/main" val="1923534380"/>
-                  </a:ext>
-                </a:extLst>
-              </a:tr>
-              <a:tr h="668283">
-                <a:tc>
-                  <a:txBody>
-                    <a:bodyPr/>
-                    <a:lstStyle/>
-                    <a:p>
-                      <a:pPr>
-                        <a:buNone/>
-                      </a:pPr>
-                      <a:r>
-                        <a:rPr lang="en-US" dirty="0" err="1"/>
-                        <a:t>FlexiForce</a:t>
-                      </a:r>
-                      <a:r>
-                        <a:rPr lang="en-US" dirty="0"/>
-                        <a:t> A201-1</a:t>
-                      </a:r>
-                    </a:p>
-                  </a:txBody>
-                  <a:tcPr anchor="ctr"/>
-                </a:tc>
-                <a:tc>
-                  <a:txBody>
-                    <a:bodyPr/>
-                    <a:lstStyle/>
-                    <a:p>
-                      <a:pPr>
-                        <a:buNone/>
-                      </a:pPr>
-                      <a:r>
-                        <a:rPr lang="en-US"/>
-                        <a:t>Resistive</a:t>
-                      </a:r>
-                    </a:p>
-                  </a:txBody>
-                  <a:tcPr anchor="ctr"/>
-                </a:tc>
-                <a:tc>
-                  <a:txBody>
-                    <a:bodyPr/>
-                    <a:lstStyle/>
-                    <a:p>
-                      <a:pPr>
-                        <a:buNone/>
-                      </a:pPr>
-                      <a:r>
-                        <a:rPr lang="en-US" dirty="0"/>
-                        <a:t>0–4.4 N</a:t>
-                      </a:r>
-                    </a:p>
-                  </a:txBody>
-                  <a:tcPr anchor="ctr"/>
-                </a:tc>
-                <a:tc>
-                  <a:txBody>
-                    <a:bodyPr/>
-                    <a:lstStyle/>
-                    <a:p>
-                      <a:pPr>
-                        <a:buNone/>
-                      </a:pPr>
-                      <a:r>
-                        <a:rPr lang="en-US"/>
-                        <a:t>High</a:t>
-                      </a:r>
-                    </a:p>
-                  </a:txBody>
-                  <a:tcPr anchor="ctr"/>
-                </a:tc>
-                <a:tc>
-                  <a:txBody>
-                    <a:bodyPr/>
-                    <a:lstStyle/>
-                    <a:p>
-                      <a:pPr>
-                        <a:buNone/>
-                      </a:pPr>
-                      <a:r>
-                        <a:rPr lang="en-US" dirty="0"/>
-                        <a:t>~$8</a:t>
-                      </a:r>
-                    </a:p>
-                  </a:txBody>
-                  <a:tcPr anchor="ctr"/>
-                </a:tc>
-                <a:extLst>
-                  <a:ext uri="{0D108BD9-81ED-4DB2-BD59-A6C34878D82A}">
-                    <a16:rowId xmlns:a16="http://schemas.microsoft.com/office/drawing/2014/main" val="4187445752"/>
-                  </a:ext>
-                </a:extLst>
-              </a:tr>
-              <a:tr h="668283">
-                <a:tc>
-                  <a:txBody>
-                    <a:bodyPr/>
-                    <a:lstStyle/>
-                    <a:p>
-                      <a:pPr>
-                        <a:buNone/>
-                      </a:pPr>
-                      <a:r>
-                        <a:rPr lang="en-US"/>
-                        <a:t>FlexiForce A201-100</a:t>
-                      </a:r>
-                    </a:p>
-                  </a:txBody>
-                  <a:tcPr anchor="ctr"/>
-                </a:tc>
-                <a:tc>
-                  <a:txBody>
-                    <a:bodyPr/>
-                    <a:lstStyle/>
-                    <a:p>
-                      <a:pPr>
-                        <a:buNone/>
-                      </a:pPr>
-                      <a:r>
-                        <a:rPr lang="en-US"/>
-                        <a:t>Resistive</a:t>
-                      </a:r>
-                    </a:p>
-                  </a:txBody>
-                  <a:tcPr anchor="ctr"/>
-                </a:tc>
-                <a:tc>
-                  <a:txBody>
-                    <a:bodyPr/>
-                    <a:lstStyle/>
-                    <a:p>
-                      <a:pPr>
-                        <a:buNone/>
-                      </a:pPr>
-                      <a:r>
-                        <a:rPr lang="en-US"/>
-                        <a:t>0–445 N</a:t>
-                      </a:r>
-                    </a:p>
-                  </a:txBody>
-                  <a:tcPr anchor="ctr"/>
-                </a:tc>
-                <a:tc>
-                  <a:txBody>
-                    <a:bodyPr/>
-                    <a:lstStyle/>
-                    <a:p>
-                      <a:pPr>
-                        <a:buNone/>
-                      </a:pPr>
-                      <a:r>
-                        <a:rPr lang="en-US"/>
-                        <a:t>Moderate</a:t>
-                      </a:r>
-                    </a:p>
-                  </a:txBody>
-                  <a:tcPr anchor="ctr"/>
-                </a:tc>
-                <a:tc>
-                  <a:txBody>
-                    <a:bodyPr/>
-                    <a:lstStyle/>
-                    <a:p>
-                      <a:pPr>
-                        <a:buNone/>
-                      </a:pPr>
-                      <a:r>
-                        <a:rPr lang="en-US"/>
-                        <a:t>~$12</a:t>
-                      </a:r>
-                    </a:p>
-                  </a:txBody>
-                  <a:tcPr anchor="ctr"/>
-                </a:tc>
-                <a:extLst>
-                  <a:ext uri="{0D108BD9-81ED-4DB2-BD59-A6C34878D82A}">
-                    <a16:rowId xmlns:a16="http://schemas.microsoft.com/office/drawing/2014/main" val="3042694069"/>
-                  </a:ext>
-                </a:extLst>
-              </a:tr>
-              <a:tr h="668283">
-                <a:tc>
-                  <a:txBody>
-                    <a:bodyPr/>
-                    <a:lstStyle/>
-                    <a:p>
-                      <a:pPr>
-                        <a:buNone/>
-                      </a:pPr>
-                      <a:r>
-                        <a:rPr lang="en-US"/>
-                        <a:t>Interlink FSR 402</a:t>
-                      </a:r>
-                    </a:p>
-                  </a:txBody>
-                  <a:tcPr anchor="ctr"/>
-                </a:tc>
-                <a:tc>
-                  <a:txBody>
-                    <a:bodyPr/>
-                    <a:lstStyle/>
-                    <a:p>
-                      <a:pPr>
-                        <a:buNone/>
-                      </a:pPr>
-                      <a:r>
-                        <a:rPr lang="en-US"/>
-                        <a:t>Resistive</a:t>
-                      </a:r>
-                    </a:p>
-                  </a:txBody>
-                  <a:tcPr anchor="ctr"/>
-                </a:tc>
-                <a:tc>
-                  <a:txBody>
-                    <a:bodyPr/>
-                    <a:lstStyle/>
-                    <a:p>
-                      <a:pPr>
-                        <a:buNone/>
-                      </a:pPr>
-                      <a:r>
-                        <a:rPr lang="en-US" dirty="0"/>
-                        <a:t>0–10 N</a:t>
-                      </a:r>
-                    </a:p>
-                  </a:txBody>
-                  <a:tcPr anchor="ctr"/>
-                </a:tc>
-                <a:tc>
-                  <a:txBody>
-                    <a:bodyPr/>
-                    <a:lstStyle/>
-                    <a:p>
-                      <a:pPr>
-                        <a:buNone/>
-                      </a:pPr>
-                      <a:r>
-                        <a:rPr lang="en-US"/>
-                        <a:t>Medium</a:t>
-                      </a:r>
-                    </a:p>
-                  </a:txBody>
-                  <a:tcPr anchor="ctr"/>
-                </a:tc>
-                <a:tc>
-                  <a:txBody>
-                    <a:bodyPr/>
-                    <a:lstStyle/>
-                    <a:p>
-                      <a:pPr>
-                        <a:buNone/>
-                      </a:pPr>
-                      <a:r>
-                        <a:rPr lang="en-US"/>
-                        <a:t>~$7</a:t>
-                      </a:r>
-                    </a:p>
-                  </a:txBody>
-                  <a:tcPr anchor="ctr"/>
-                </a:tc>
-                <a:extLst>
-                  <a:ext uri="{0D108BD9-81ED-4DB2-BD59-A6C34878D82A}">
-                    <a16:rowId xmlns:a16="http://schemas.microsoft.com/office/drawing/2014/main" val="3700807327"/>
-                  </a:ext>
-                </a:extLst>
-              </a:tr>
-              <a:tr h="668283">
-                <a:tc>
-                  <a:txBody>
-                    <a:bodyPr/>
-                    <a:lstStyle/>
-                    <a:p>
-                      <a:pPr>
-                        <a:buNone/>
-                      </a:pPr>
-                      <a:r>
-                        <a:rPr lang="en-US"/>
-                        <a:t>DF9-40 FSR Sensor</a:t>
-                      </a:r>
-                    </a:p>
-                  </a:txBody>
-                  <a:tcPr anchor="ctr"/>
-                </a:tc>
-                <a:tc>
-                  <a:txBody>
-                    <a:bodyPr/>
-                    <a:lstStyle/>
-                    <a:p>
-                      <a:pPr>
-                        <a:buNone/>
-                      </a:pPr>
-                      <a:r>
-                        <a:rPr lang="en-US"/>
-                        <a:t>Resistive</a:t>
-                      </a:r>
-                    </a:p>
-                  </a:txBody>
-                  <a:tcPr anchor="ctr"/>
-                </a:tc>
-                <a:tc>
-                  <a:txBody>
-                    <a:bodyPr/>
-                    <a:lstStyle/>
-                    <a:p>
-                      <a:pPr>
-                        <a:buNone/>
-                      </a:pPr>
-                      <a:r>
-                        <a:rPr lang="en-US"/>
-                        <a:t>0–20 N</a:t>
-                      </a:r>
-                    </a:p>
-                  </a:txBody>
-                  <a:tcPr anchor="ctr"/>
-                </a:tc>
-                <a:tc>
-                  <a:txBody>
-                    <a:bodyPr/>
-                    <a:lstStyle/>
-                    <a:p>
-                      <a:pPr>
-                        <a:buNone/>
-                      </a:pPr>
-                      <a:r>
-                        <a:rPr lang="en-US"/>
-                        <a:t>Low</a:t>
-                      </a:r>
-                    </a:p>
-                  </a:txBody>
-                  <a:tcPr anchor="ctr"/>
-                </a:tc>
-                <a:tc>
-                  <a:txBody>
-                    <a:bodyPr/>
-                    <a:lstStyle/>
-                    <a:p>
-                      <a:pPr>
-                        <a:buNone/>
-                      </a:pPr>
-                      <a:r>
-                        <a:rPr lang="en-US"/>
-                        <a:t>~$5</a:t>
-                      </a:r>
-                    </a:p>
-                  </a:txBody>
-                  <a:tcPr anchor="ctr"/>
-                </a:tc>
-                <a:extLst>
-                  <a:ext uri="{0D108BD9-81ED-4DB2-BD59-A6C34878D82A}">
-                    <a16:rowId xmlns:a16="http://schemas.microsoft.com/office/drawing/2014/main" val="1899753563"/>
-                  </a:ext>
-                </a:extLst>
-              </a:tr>
-              <a:tr h="668283">
-                <a:tc>
-                  <a:txBody>
-                    <a:bodyPr/>
-                    <a:lstStyle/>
-                    <a:p>
-                      <a:pPr>
-                        <a:buNone/>
-                      </a:pPr>
-                      <a:r>
-                        <a:rPr lang="en-US"/>
-                        <a:t>DFRobot Capacitive Force Sensor SEN0293</a:t>
-                      </a:r>
-                    </a:p>
-                  </a:txBody>
-                  <a:tcPr anchor="ctr"/>
-                </a:tc>
-                <a:tc>
-                  <a:txBody>
-                    <a:bodyPr/>
-                    <a:lstStyle/>
-                    <a:p>
-                      <a:pPr>
-                        <a:buNone/>
-                      </a:pPr>
-                      <a:r>
-                        <a:rPr lang="en-US"/>
-                        <a:t>Capacitive</a:t>
-                      </a:r>
-                    </a:p>
-                  </a:txBody>
-                  <a:tcPr anchor="ctr"/>
-                </a:tc>
-                <a:tc>
-                  <a:txBody>
-                    <a:bodyPr/>
-                    <a:lstStyle/>
-                    <a:p>
-                      <a:pPr>
-                        <a:buNone/>
-                      </a:pPr>
-                      <a:r>
-                        <a:rPr lang="en-US"/>
-                        <a:t>0–10 N</a:t>
-                      </a:r>
-                    </a:p>
-                  </a:txBody>
-                  <a:tcPr anchor="ctr"/>
-                </a:tc>
-                <a:tc>
-                  <a:txBody>
-                    <a:bodyPr/>
-                    <a:lstStyle/>
-                    <a:p>
-                      <a:pPr>
-                        <a:buNone/>
-                      </a:pPr>
-                      <a:r>
-                        <a:rPr lang="en-US"/>
-                        <a:t>High</a:t>
-                      </a:r>
-                    </a:p>
-                  </a:txBody>
-                  <a:tcPr anchor="ctr"/>
-                </a:tc>
-                <a:tc>
-                  <a:txBody>
-                    <a:bodyPr/>
-                    <a:lstStyle/>
-                    <a:p>
-                      <a:pPr>
-                        <a:buNone/>
-                      </a:pPr>
-                      <a:r>
-                        <a:rPr lang="en-US"/>
-                        <a:t>~$9</a:t>
-                      </a:r>
-                    </a:p>
-                  </a:txBody>
-                  <a:tcPr anchor="ctr"/>
-                </a:tc>
-                <a:extLst>
-                  <a:ext uri="{0D108BD9-81ED-4DB2-BD59-A6C34878D82A}">
-                    <a16:rowId xmlns:a16="http://schemas.microsoft.com/office/drawing/2014/main" val="3580671733"/>
-                  </a:ext>
-                </a:extLst>
-              </a:tr>
-              <a:tr h="668283">
-                <a:tc>
-                  <a:txBody>
-                    <a:bodyPr/>
-                    <a:lstStyle/>
-                    <a:p>
-                      <a:pPr>
-                        <a:buNone/>
-                      </a:pPr>
-                      <a:r>
-                        <a:rPr lang="en-US"/>
-                        <a:t>Tekscan FlexiForce A301</a:t>
-                      </a:r>
-                    </a:p>
-                  </a:txBody>
-                  <a:tcPr anchor="ctr"/>
-                </a:tc>
-                <a:tc>
-                  <a:txBody>
-                    <a:bodyPr/>
-                    <a:lstStyle/>
-                    <a:p>
-                      <a:pPr>
-                        <a:buNone/>
-                      </a:pPr>
-                      <a:r>
-                        <a:rPr lang="en-US"/>
-                        <a:t>Resistive</a:t>
-                      </a:r>
-                    </a:p>
-                  </a:txBody>
-                  <a:tcPr anchor="ctr"/>
-                </a:tc>
-                <a:tc>
-                  <a:txBody>
-                    <a:bodyPr/>
-                    <a:lstStyle/>
-                    <a:p>
-                      <a:pPr>
-                        <a:buNone/>
-                      </a:pPr>
-                      <a:r>
-                        <a:rPr lang="en-US"/>
-                        <a:t>0–445 N</a:t>
-                      </a:r>
-                    </a:p>
-                  </a:txBody>
-                  <a:tcPr anchor="ctr"/>
-                </a:tc>
-                <a:tc>
-                  <a:txBody>
-                    <a:bodyPr/>
-                    <a:lstStyle/>
-                    <a:p>
-                      <a:pPr>
-                        <a:buNone/>
-                      </a:pPr>
-                      <a:r>
-                        <a:rPr lang="en-US"/>
-                        <a:t>High</a:t>
-                      </a:r>
-                    </a:p>
-                  </a:txBody>
-                  <a:tcPr anchor="ctr"/>
-                </a:tc>
-                <a:tc>
-                  <a:txBody>
-                    <a:bodyPr/>
-                    <a:lstStyle/>
-                    <a:p>
-                      <a:pPr>
-                        <a:buNone/>
-                      </a:pPr>
-                      <a:r>
-                        <a:rPr lang="en-US" dirty="0"/>
-                        <a:t>~$14</a:t>
-                      </a:r>
-                    </a:p>
-                  </a:txBody>
-                  <a:tcPr anchor="ctr"/>
-                </a:tc>
-                <a:extLst>
-                  <a:ext uri="{0D108BD9-81ED-4DB2-BD59-A6C34878D82A}">
-                    <a16:rowId xmlns:a16="http://schemas.microsoft.com/office/drawing/2014/main" val="2933878968"/>
-                  </a:ext>
-                </a:extLst>
-              </a:tr>
-            </a:tbl>
-          </a:graphicData>
-        </a:graphic>
-      </p:graphicFrame>
+              <a:t>3/7</a:t>
+            </a:r>
+          </a:p>
+        </p:txBody>
+      </p:sp>
+      <p:sp>
+        <p:nvSpPr>
+          <p:cNvPr id="8" name="Text Placeholder 7">
+            <a:extLst>
+              <a:ext uri="{FF2B5EF4-FFF2-40B4-BE49-F238E27FC236}">
+                <a16:creationId xmlns:a16="http://schemas.microsoft.com/office/drawing/2014/main" id="{DEC8EC73-47C8-62B5-237A-E22B604B8D36}"/>
+              </a:ext>
+            </a:extLst>
+          </p:cNvPr>
+          <p:cNvSpPr>
+            <a:spLocks noGrp="1"/>
+          </p:cNvSpPr>
+          <p:nvPr>
+            <p:ph type="body" sz="quarter" idx="10"/>
+          </p:nvPr>
+        </p:nvSpPr>
+        <p:spPr/>
+        <p:txBody>
+          <a:bodyPr/>
+          <a:lstStyle/>
+          <a:p>
+            <a:pPr marL="285750" indent="-285750">
+              <a:buFont typeface="Arial" panose="020B0604020202020204" pitchFamily="34" charset="0"/>
+              <a:buChar char="•"/>
+            </a:pPr>
+            <a:r>
+              <a:rPr lang="en-US" dirty="0"/>
+              <a:t>[Insert]</a:t>
+            </a:r>
+          </a:p>
+        </p:txBody>
+      </p:sp>
     </p:spTree>
     <p:extLst>
       <p:ext uri="{BB962C8B-B14F-4D97-AF65-F5344CB8AC3E}">
-        <p14:creationId xmlns:p14="http://schemas.microsoft.com/office/powerpoint/2010/main" val="3559523200"/>
+        <p14:creationId xmlns:p14="http://schemas.microsoft.com/office/powerpoint/2010/main" val="3655412201"/>
       </p:ext>
     </p:extLst>
   </p:cSld>
@@ -15354,819 +14661,6 @@
 </file>
 
 <file path=ppt/slides/slide7.xml><?xml version="1.0" encoding="utf-8"?>
-<p:sld xmlns:a="http://schemas.openxmlformats.org/drawingml/2006/main" xmlns:r="http://schemas.openxmlformats.org/officeDocument/2006/relationships" xmlns:p="http://schemas.openxmlformats.org/presentationml/2006/main">
-  <p:cSld>
-    <p:spTree>
-      <p:nvGrpSpPr>
-        <p:cNvPr id="1" name="">
-          <a:extLst>
-            <a:ext uri="{FF2B5EF4-FFF2-40B4-BE49-F238E27FC236}">
-              <a16:creationId xmlns:a16="http://schemas.microsoft.com/office/drawing/2014/main" id="{45F7296E-E848-3A9C-C264-9AD09981907D}"/>
-            </a:ext>
-          </a:extLst>
-        </p:cNvPr>
-        <p:cNvGrpSpPr/>
-        <p:nvPr/>
-      </p:nvGrpSpPr>
-      <p:grpSpPr>
-        <a:xfrm>
-          <a:off x="0" y="0"/>
-          <a:ext cx="0" cy="0"/>
-          <a:chOff x="0" y="0"/>
-          <a:chExt cx="0" cy="0"/>
-        </a:xfrm>
-      </p:grpSpPr>
-      <p:sp>
-        <p:nvSpPr>
-          <p:cNvPr id="2" name="Text Placeholder 1">
-            <a:extLst>
-              <a:ext uri="{FF2B5EF4-FFF2-40B4-BE49-F238E27FC236}">
-                <a16:creationId xmlns:a16="http://schemas.microsoft.com/office/drawing/2014/main" id="{8DC25F85-3384-AB62-3DDA-73A163EC31F1}"/>
-              </a:ext>
-            </a:extLst>
-          </p:cNvPr>
-          <p:cNvSpPr>
-            <a:spLocks noGrp="1"/>
-          </p:cNvSpPr>
-          <p:nvPr>
-            <p:ph type="body" sz="quarter" idx="11"/>
-          </p:nvPr>
-        </p:nvSpPr>
-        <p:spPr/>
-        <p:txBody>
-          <a:bodyPr/>
-          <a:lstStyle/>
-          <a:p>
-            <a:r>
-              <a:rPr lang="en-US" dirty="0"/>
-              <a:t>Resistive vs. Capacitive Strain Sensors</a:t>
-            </a:r>
-          </a:p>
-        </p:txBody>
-      </p:sp>
-      <p:sp>
-        <p:nvSpPr>
-          <p:cNvPr id="4" name="Title 3">
-            <a:extLst>
-              <a:ext uri="{FF2B5EF4-FFF2-40B4-BE49-F238E27FC236}">
-                <a16:creationId xmlns:a16="http://schemas.microsoft.com/office/drawing/2014/main" id="{5AF8B592-7152-AD1B-BFAC-BDD8D7077BB2}"/>
-              </a:ext>
-            </a:extLst>
-          </p:cNvPr>
-          <p:cNvSpPr>
-            <a:spLocks noGrp="1"/>
-          </p:cNvSpPr>
-          <p:nvPr>
-            <p:ph type="title"/>
-          </p:nvPr>
-        </p:nvSpPr>
-        <p:spPr/>
-        <p:txBody>
-          <a:bodyPr/>
-          <a:lstStyle/>
-          <a:p>
-            <a:r>
-              <a:rPr lang="en-US" dirty="0"/>
-              <a:t>Finding Commercial Sensors for Strain and Force </a:t>
-            </a:r>
-          </a:p>
-        </p:txBody>
-      </p:sp>
-      <p:sp>
-        <p:nvSpPr>
-          <p:cNvPr id="5" name="Footer Placeholder 4">
-            <a:extLst>
-              <a:ext uri="{FF2B5EF4-FFF2-40B4-BE49-F238E27FC236}">
-                <a16:creationId xmlns:a16="http://schemas.microsoft.com/office/drawing/2014/main" id="{315E6E71-B194-FF85-9BEA-4B28F7578563}"/>
-              </a:ext>
-            </a:extLst>
-          </p:cNvPr>
-          <p:cNvSpPr>
-            <a:spLocks noGrp="1"/>
-          </p:cNvSpPr>
-          <p:nvPr>
-            <p:ph type="ftr" sz="quarter" idx="12"/>
-          </p:nvPr>
-        </p:nvSpPr>
-        <p:spPr/>
-        <p:txBody>
-          <a:bodyPr/>
-          <a:lstStyle/>
-          <a:p>
-            <a:pPr algn="r"/>
-            <a:r>
-              <a:rPr lang="en-US" dirty="0"/>
-              <a:t>            5/7</a:t>
-            </a:r>
-          </a:p>
-        </p:txBody>
-      </p:sp>
-      <p:graphicFrame>
-        <p:nvGraphicFramePr>
-          <p:cNvPr id="8" name="Table 7">
-            <a:extLst>
-              <a:ext uri="{FF2B5EF4-FFF2-40B4-BE49-F238E27FC236}">
-                <a16:creationId xmlns:a16="http://schemas.microsoft.com/office/drawing/2014/main" id="{6235544C-AECD-1453-6877-48BB2B0B4297}"/>
-              </a:ext>
-            </a:extLst>
-          </p:cNvPr>
-          <p:cNvGraphicFramePr>
-            <a:graphicFrameLocks noGrp="1"/>
-          </p:cNvGraphicFramePr>
-          <p:nvPr>
-            <p:extLst>
-              <p:ext uri="{D42A27DB-BD31-4B8C-83A1-F6EECF244321}">
-                <p14:modId xmlns:p14="http://schemas.microsoft.com/office/powerpoint/2010/main" val="3050986979"/>
-              </p:ext>
-            </p:extLst>
-          </p:nvPr>
-        </p:nvGraphicFramePr>
-        <p:xfrm>
-          <a:off x="359229" y="1357109"/>
-          <a:ext cx="8441870" cy="4495800"/>
-        </p:xfrm>
-        <a:graphic>
-          <a:graphicData uri="http://schemas.openxmlformats.org/drawingml/2006/table">
-            <a:tbl>
-              <a:tblPr firstRow="1" bandRow="1">
-                <a:tableStyleId>{5C22544A-7EE6-4342-B048-85BDC9FD1C3A}</a:tableStyleId>
-              </a:tblPr>
-              <a:tblGrid>
-                <a:gridCol w="1688374">
-                  <a:extLst>
-                    <a:ext uri="{9D8B030D-6E8A-4147-A177-3AD203B41FA5}">
-                      <a16:colId xmlns:a16="http://schemas.microsoft.com/office/drawing/2014/main" val="2244348872"/>
-                    </a:ext>
-                  </a:extLst>
-                </a:gridCol>
-                <a:gridCol w="1688374">
-                  <a:extLst>
-                    <a:ext uri="{9D8B030D-6E8A-4147-A177-3AD203B41FA5}">
-                      <a16:colId xmlns:a16="http://schemas.microsoft.com/office/drawing/2014/main" val="14161327"/>
-                    </a:ext>
-                  </a:extLst>
-                </a:gridCol>
-                <a:gridCol w="1688374">
-                  <a:extLst>
-                    <a:ext uri="{9D8B030D-6E8A-4147-A177-3AD203B41FA5}">
-                      <a16:colId xmlns:a16="http://schemas.microsoft.com/office/drawing/2014/main" val="2648449274"/>
-                    </a:ext>
-                  </a:extLst>
-                </a:gridCol>
-                <a:gridCol w="1688374">
-                  <a:extLst>
-                    <a:ext uri="{9D8B030D-6E8A-4147-A177-3AD203B41FA5}">
-                      <a16:colId xmlns:a16="http://schemas.microsoft.com/office/drawing/2014/main" val="1250401240"/>
-                    </a:ext>
-                  </a:extLst>
-                </a:gridCol>
-                <a:gridCol w="1688374">
-                  <a:extLst>
-                    <a:ext uri="{9D8B030D-6E8A-4147-A177-3AD203B41FA5}">
-                      <a16:colId xmlns:a16="http://schemas.microsoft.com/office/drawing/2014/main" val="1128280838"/>
-                    </a:ext>
-                  </a:extLst>
-                </a:gridCol>
-              </a:tblGrid>
-              <a:tr h="899160">
-                <a:tc>
-                  <a:txBody>
-                    <a:bodyPr/>
-                    <a:lstStyle/>
-                    <a:p>
-                      <a:pPr>
-                        <a:buNone/>
-                      </a:pPr>
-                      <a:r>
-                        <a:rPr lang="en-US" dirty="0"/>
-                        <a:t>Sensor</a:t>
-                      </a:r>
-                    </a:p>
-                  </a:txBody>
-                  <a:tcPr anchor="ctr"/>
-                </a:tc>
-                <a:tc>
-                  <a:txBody>
-                    <a:bodyPr/>
-                    <a:lstStyle/>
-                    <a:p>
-                      <a:pPr>
-                        <a:buNone/>
-                      </a:pPr>
-                      <a:r>
-                        <a:rPr lang="en-US"/>
-                        <a:t>Type</a:t>
-                      </a:r>
-                    </a:p>
-                  </a:txBody>
-                  <a:tcPr anchor="ctr"/>
-                </a:tc>
-                <a:tc>
-                  <a:txBody>
-                    <a:bodyPr/>
-                    <a:lstStyle/>
-                    <a:p>
-                      <a:pPr>
-                        <a:buNone/>
-                      </a:pPr>
-                      <a:r>
-                        <a:rPr lang="en-US"/>
-                        <a:t>Strain Range</a:t>
-                      </a:r>
-                    </a:p>
-                  </a:txBody>
-                  <a:tcPr anchor="ctr"/>
-                </a:tc>
-                <a:tc>
-                  <a:txBody>
-                    <a:bodyPr/>
-                    <a:lstStyle/>
-                    <a:p>
-                      <a:pPr>
-                        <a:buNone/>
-                      </a:pPr>
-                      <a:r>
-                        <a:rPr lang="en-US"/>
-                        <a:t>Configuration</a:t>
-                      </a:r>
-                    </a:p>
-                  </a:txBody>
-                  <a:tcPr anchor="ctr"/>
-                </a:tc>
-                <a:tc>
-                  <a:txBody>
-                    <a:bodyPr/>
-                    <a:lstStyle/>
-                    <a:p>
-                      <a:pPr>
-                        <a:buNone/>
-                      </a:pPr>
-                      <a:r>
-                        <a:rPr lang="en-US"/>
-                        <a:t>Approx. Cost</a:t>
-                      </a:r>
-                    </a:p>
-                  </a:txBody>
-                  <a:tcPr anchor="ctr"/>
-                </a:tc>
-                <a:extLst>
-                  <a:ext uri="{0D108BD9-81ED-4DB2-BD59-A6C34878D82A}">
-                    <a16:rowId xmlns:a16="http://schemas.microsoft.com/office/drawing/2014/main" val="3182492392"/>
-                  </a:ext>
-                </a:extLst>
-              </a:tr>
-              <a:tr h="899160">
-                <a:tc>
-                  <a:txBody>
-                    <a:bodyPr/>
-                    <a:lstStyle/>
-                    <a:p>
-                      <a:pPr>
-                        <a:buNone/>
-                      </a:pPr>
-                      <a:r>
-                        <a:rPr lang="en-US" dirty="0"/>
-                        <a:t>Omega SGD-3/350-LY11</a:t>
-                      </a:r>
-                    </a:p>
-                  </a:txBody>
-                  <a:tcPr anchor="ctr"/>
-                </a:tc>
-                <a:tc>
-                  <a:txBody>
-                    <a:bodyPr/>
-                    <a:lstStyle/>
-                    <a:p>
-                      <a:pPr>
-                        <a:buNone/>
-                      </a:pPr>
-                      <a:r>
-                        <a:rPr lang="en-US"/>
-                        <a:t>Foil Strain Gauge</a:t>
-                      </a:r>
-                    </a:p>
-                  </a:txBody>
-                  <a:tcPr anchor="ctr"/>
-                </a:tc>
-                <a:tc>
-                  <a:txBody>
-                    <a:bodyPr/>
-                    <a:lstStyle/>
-                    <a:p>
-                      <a:pPr>
-                        <a:buNone/>
-                      </a:pPr>
-                      <a:r>
-                        <a:rPr lang="en-US"/>
-                        <a:t>±3% strain</a:t>
-                      </a:r>
-                    </a:p>
-                  </a:txBody>
-                  <a:tcPr anchor="ctr"/>
-                </a:tc>
-                <a:tc>
-                  <a:txBody>
-                    <a:bodyPr/>
-                    <a:lstStyle/>
-                    <a:p>
-                      <a:pPr>
-                        <a:buNone/>
-                      </a:pPr>
-                      <a:r>
-                        <a:rPr lang="en-US"/>
-                        <a:t>Single element</a:t>
-                      </a:r>
-                    </a:p>
-                  </a:txBody>
-                  <a:tcPr anchor="ctr"/>
-                </a:tc>
-                <a:tc>
-                  <a:txBody>
-                    <a:bodyPr/>
-                    <a:lstStyle/>
-                    <a:p>
-                      <a:pPr>
-                        <a:buNone/>
-                      </a:pPr>
-                      <a:r>
-                        <a:rPr lang="en-US"/>
-                        <a:t>~$6</a:t>
-                      </a:r>
-                    </a:p>
-                  </a:txBody>
-                  <a:tcPr anchor="ctr"/>
-                </a:tc>
-                <a:extLst>
-                  <a:ext uri="{0D108BD9-81ED-4DB2-BD59-A6C34878D82A}">
-                    <a16:rowId xmlns:a16="http://schemas.microsoft.com/office/drawing/2014/main" val="3270543586"/>
-                  </a:ext>
-                </a:extLst>
-              </a:tr>
-              <a:tr h="899160">
-                <a:tc>
-                  <a:txBody>
-                    <a:bodyPr/>
-                    <a:lstStyle/>
-                    <a:p>
-                      <a:pPr>
-                        <a:buNone/>
-                      </a:pPr>
-                      <a:r>
-                        <a:rPr lang="en-US"/>
-                        <a:t>Vishay CEA-06-250UW-350</a:t>
-                      </a:r>
-                    </a:p>
-                  </a:txBody>
-                  <a:tcPr anchor="ctr"/>
-                </a:tc>
-                <a:tc>
-                  <a:txBody>
-                    <a:bodyPr/>
-                    <a:lstStyle/>
-                    <a:p>
-                      <a:pPr>
-                        <a:buNone/>
-                      </a:pPr>
-                      <a:r>
-                        <a:rPr lang="en-US"/>
-                        <a:t>Foil Strain Gauge</a:t>
-                      </a:r>
-                    </a:p>
-                  </a:txBody>
-                  <a:tcPr anchor="ctr"/>
-                </a:tc>
-                <a:tc>
-                  <a:txBody>
-                    <a:bodyPr/>
-                    <a:lstStyle/>
-                    <a:p>
-                      <a:pPr>
-                        <a:buNone/>
-                      </a:pPr>
-                      <a:r>
-                        <a:rPr lang="en-US"/>
-                        <a:t>±2% strain</a:t>
-                      </a:r>
-                    </a:p>
-                  </a:txBody>
-                  <a:tcPr anchor="ctr"/>
-                </a:tc>
-                <a:tc>
-                  <a:txBody>
-                    <a:bodyPr/>
-                    <a:lstStyle/>
-                    <a:p>
-                      <a:pPr>
-                        <a:buNone/>
-                      </a:pPr>
-                      <a:r>
-                        <a:rPr lang="en-US"/>
-                        <a:t>Single</a:t>
-                      </a:r>
-                    </a:p>
-                  </a:txBody>
-                  <a:tcPr anchor="ctr"/>
-                </a:tc>
-                <a:tc>
-                  <a:txBody>
-                    <a:bodyPr/>
-                    <a:lstStyle/>
-                    <a:p>
-                      <a:pPr>
-                        <a:buNone/>
-                      </a:pPr>
-                      <a:r>
-                        <a:rPr lang="en-US"/>
-                        <a:t>~$8</a:t>
-                      </a:r>
-                    </a:p>
-                  </a:txBody>
-                  <a:tcPr anchor="ctr"/>
-                </a:tc>
-                <a:extLst>
-                  <a:ext uri="{0D108BD9-81ED-4DB2-BD59-A6C34878D82A}">
-                    <a16:rowId xmlns:a16="http://schemas.microsoft.com/office/drawing/2014/main" val="4192350528"/>
-                  </a:ext>
-                </a:extLst>
-              </a:tr>
-              <a:tr h="899160">
-                <a:tc>
-                  <a:txBody>
-                    <a:bodyPr/>
-                    <a:lstStyle/>
-                    <a:p>
-                      <a:pPr>
-                        <a:buNone/>
-                      </a:pPr>
-                      <a:r>
-                        <a:rPr lang="en-US"/>
-                        <a:t>DF9-40 Capacitive Bend Sensor</a:t>
-                      </a:r>
-                    </a:p>
-                  </a:txBody>
-                  <a:tcPr anchor="ctr"/>
-                </a:tc>
-                <a:tc>
-                  <a:txBody>
-                    <a:bodyPr/>
-                    <a:lstStyle/>
-                    <a:p>
-                      <a:pPr>
-                        <a:buNone/>
-                      </a:pPr>
-                      <a:r>
-                        <a:rPr lang="en-US"/>
-                        <a:t>Capacitive</a:t>
-                      </a:r>
-                    </a:p>
-                  </a:txBody>
-                  <a:tcPr anchor="ctr"/>
-                </a:tc>
-                <a:tc>
-                  <a:txBody>
-                    <a:bodyPr/>
-                    <a:lstStyle/>
-                    <a:p>
-                      <a:pPr>
-                        <a:buNone/>
-                      </a:pPr>
-                      <a:r>
-                        <a:rPr lang="en-US"/>
-                        <a:t>±2% strain</a:t>
-                      </a:r>
-                    </a:p>
-                  </a:txBody>
-                  <a:tcPr anchor="ctr"/>
-                </a:tc>
-                <a:tc>
-                  <a:txBody>
-                    <a:bodyPr/>
-                    <a:lstStyle/>
-                    <a:p>
-                      <a:pPr>
-                        <a:buNone/>
-                      </a:pPr>
-                      <a:r>
-                        <a:rPr lang="en-US"/>
-                        <a:t>Flexible</a:t>
-                      </a:r>
-                    </a:p>
-                  </a:txBody>
-                  <a:tcPr anchor="ctr"/>
-                </a:tc>
-                <a:tc>
-                  <a:txBody>
-                    <a:bodyPr/>
-                    <a:lstStyle/>
-                    <a:p>
-                      <a:pPr>
-                        <a:buNone/>
-                      </a:pPr>
-                      <a:r>
-                        <a:rPr lang="en-US"/>
-                        <a:t>~$6</a:t>
-                      </a:r>
-                    </a:p>
-                  </a:txBody>
-                  <a:tcPr anchor="ctr"/>
-                </a:tc>
-                <a:extLst>
-                  <a:ext uri="{0D108BD9-81ED-4DB2-BD59-A6C34878D82A}">
-                    <a16:rowId xmlns:a16="http://schemas.microsoft.com/office/drawing/2014/main" val="3422397505"/>
-                  </a:ext>
-                </a:extLst>
-              </a:tr>
-              <a:tr h="899160">
-                <a:tc>
-                  <a:txBody>
-                    <a:bodyPr/>
-                    <a:lstStyle/>
-                    <a:p>
-                      <a:pPr>
-                        <a:buNone/>
-                      </a:pPr>
-                      <a:r>
-                        <a:rPr lang="de-DE"/>
-                        <a:t>DFRobot Flexible Bend Sensor SEN0219</a:t>
-                      </a:r>
-                    </a:p>
-                  </a:txBody>
-                  <a:tcPr anchor="ctr"/>
-                </a:tc>
-                <a:tc>
-                  <a:txBody>
-                    <a:bodyPr/>
-                    <a:lstStyle/>
-                    <a:p>
-                      <a:pPr>
-                        <a:buNone/>
-                      </a:pPr>
-                      <a:r>
-                        <a:rPr lang="en-US"/>
-                        <a:t>Resistive</a:t>
-                      </a:r>
-                    </a:p>
-                  </a:txBody>
-                  <a:tcPr anchor="ctr"/>
-                </a:tc>
-                <a:tc>
-                  <a:txBody>
-                    <a:bodyPr/>
-                    <a:lstStyle/>
-                    <a:p>
-                      <a:pPr>
-                        <a:buNone/>
-                      </a:pPr>
-                      <a:r>
-                        <a:rPr lang="en-US"/>
-                        <a:t>±3% strain</a:t>
-                      </a:r>
-                    </a:p>
-                  </a:txBody>
-                  <a:tcPr anchor="ctr"/>
-                </a:tc>
-                <a:tc>
-                  <a:txBody>
-                    <a:bodyPr/>
-                    <a:lstStyle/>
-                    <a:p>
-                      <a:pPr>
-                        <a:buNone/>
-                      </a:pPr>
-                      <a:r>
-                        <a:rPr lang="en-US"/>
-                        <a:t>Flexible</a:t>
-                      </a:r>
-                    </a:p>
-                  </a:txBody>
-                  <a:tcPr anchor="ctr"/>
-                </a:tc>
-                <a:tc>
-                  <a:txBody>
-                    <a:bodyPr/>
-                    <a:lstStyle/>
-                    <a:p>
-                      <a:pPr>
-                        <a:buNone/>
-                      </a:pPr>
-                      <a:r>
-                        <a:rPr lang="en-US" dirty="0"/>
-                        <a:t>~$9</a:t>
-                      </a:r>
-                    </a:p>
-                  </a:txBody>
-                  <a:tcPr anchor="ctr"/>
-                </a:tc>
-                <a:extLst>
-                  <a:ext uri="{0D108BD9-81ED-4DB2-BD59-A6C34878D82A}">
-                    <a16:rowId xmlns:a16="http://schemas.microsoft.com/office/drawing/2014/main" val="4252912655"/>
-                  </a:ext>
-                </a:extLst>
-              </a:tr>
-            </a:tbl>
-          </a:graphicData>
-        </a:graphic>
-      </p:graphicFrame>
-    </p:spTree>
-    <p:extLst>
-      <p:ext uri="{BB962C8B-B14F-4D97-AF65-F5344CB8AC3E}">
-        <p14:creationId xmlns:p14="http://schemas.microsoft.com/office/powerpoint/2010/main" val="1807205737"/>
-      </p:ext>
-    </p:extLst>
-  </p:cSld>
-  <p:clrMapOvr>
-    <a:masterClrMapping/>
-  </p:clrMapOvr>
-</p:sld>
-</file>
-
-<file path=ppt/slides/slide8.xml><?xml version="1.0" encoding="utf-8"?>
-<p:sld xmlns:a="http://schemas.openxmlformats.org/drawingml/2006/main" xmlns:r="http://schemas.openxmlformats.org/officeDocument/2006/relationships" xmlns:p="http://schemas.openxmlformats.org/presentationml/2006/main">
-  <p:cSld>
-    <p:spTree>
-      <p:nvGrpSpPr>
-        <p:cNvPr id="1" name="">
-          <a:extLst>
-            <a:ext uri="{FF2B5EF4-FFF2-40B4-BE49-F238E27FC236}">
-              <a16:creationId xmlns:a16="http://schemas.microsoft.com/office/drawing/2014/main" id="{300C8A25-CB84-EBB1-3BF7-E0FE0EAC2F50}"/>
-            </a:ext>
-          </a:extLst>
-        </p:cNvPr>
-        <p:cNvGrpSpPr/>
-        <p:nvPr/>
-      </p:nvGrpSpPr>
-      <p:grpSpPr>
-        <a:xfrm>
-          <a:off x="0" y="0"/>
-          <a:ext cx="0" cy="0"/>
-          <a:chOff x="0" y="0"/>
-          <a:chExt cx="0" cy="0"/>
-        </a:xfrm>
-      </p:grpSpPr>
-      <p:sp>
-        <p:nvSpPr>
-          <p:cNvPr id="4" name="Title 3">
-            <a:extLst>
-              <a:ext uri="{FF2B5EF4-FFF2-40B4-BE49-F238E27FC236}">
-                <a16:creationId xmlns:a16="http://schemas.microsoft.com/office/drawing/2014/main" id="{4C472C63-356B-1905-86D4-675532576C60}"/>
-              </a:ext>
-            </a:extLst>
-          </p:cNvPr>
-          <p:cNvSpPr>
-            <a:spLocks noGrp="1"/>
-          </p:cNvSpPr>
-          <p:nvPr>
-            <p:ph type="title"/>
-          </p:nvPr>
-        </p:nvSpPr>
-        <p:spPr>
-          <a:xfrm>
-            <a:off x="351064" y="385004"/>
-            <a:ext cx="8450036" cy="589032"/>
-          </a:xfrm>
-        </p:spPr>
-        <p:txBody>
-          <a:bodyPr anchor="ctr">
-            <a:normAutofit/>
-          </a:bodyPr>
-          <a:lstStyle/>
-          <a:p>
-            <a:r>
-              <a:rPr lang="en-US" dirty="0"/>
-              <a:t>Sync-up with Professor Karcher</a:t>
-            </a:r>
-          </a:p>
-        </p:txBody>
-      </p:sp>
-      <p:sp>
-        <p:nvSpPr>
-          <p:cNvPr id="3" name="Text Placeholder 2">
-            <a:extLst>
-              <a:ext uri="{FF2B5EF4-FFF2-40B4-BE49-F238E27FC236}">
-                <a16:creationId xmlns:a16="http://schemas.microsoft.com/office/drawing/2014/main" id="{87565598-B848-C47F-4ACB-8ED186B3BFD6}"/>
-              </a:ext>
-            </a:extLst>
-          </p:cNvPr>
-          <p:cNvSpPr>
-            <a:spLocks noGrp="1"/>
-          </p:cNvSpPr>
-          <p:nvPr>
-            <p:ph idx="12"/>
-          </p:nvPr>
-        </p:nvSpPr>
-        <p:spPr>
-          <a:xfrm>
-            <a:off x="351066" y="1543324"/>
-            <a:ext cx="8253672" cy="4390338"/>
-          </a:xfrm>
-        </p:spPr>
-        <p:txBody>
-          <a:bodyPr>
-            <a:normAutofit/>
-          </a:bodyPr>
-          <a:lstStyle/>
-          <a:p>
-            <a:pPr marL="0" indent="0">
-              <a:buNone/>
-            </a:pPr>
-            <a:r>
-              <a:rPr lang="en-US" dirty="0"/>
-              <a:t>[Insert]</a:t>
-            </a:r>
-            <a:endParaRPr lang="en-US" sz="1800" dirty="0"/>
-          </a:p>
-        </p:txBody>
-      </p:sp>
-      <p:sp>
-        <p:nvSpPr>
-          <p:cNvPr id="2" name="Text Placeholder 1">
-            <a:extLst>
-              <a:ext uri="{FF2B5EF4-FFF2-40B4-BE49-F238E27FC236}">
-                <a16:creationId xmlns:a16="http://schemas.microsoft.com/office/drawing/2014/main" id="{F2299B37-EC0A-4DCC-08B1-D3D164B5C199}"/>
-              </a:ext>
-            </a:extLst>
-          </p:cNvPr>
-          <p:cNvSpPr>
-            <a:spLocks noGrp="1"/>
-          </p:cNvSpPr>
-          <p:nvPr>
-            <p:ph type="body" sz="quarter" idx="11"/>
-          </p:nvPr>
-        </p:nvSpPr>
-        <p:spPr>
-          <a:xfrm>
-            <a:off x="342900" y="954291"/>
-            <a:ext cx="8458200" cy="365760"/>
-          </a:xfrm>
-        </p:spPr>
-        <p:txBody>
-          <a:bodyPr>
-            <a:normAutofit/>
-          </a:bodyPr>
-          <a:lstStyle/>
-          <a:p>
-            <a:r>
-              <a:rPr lang="en-US" dirty="0"/>
-              <a:t>Outlined deliverable on Agriculture end</a:t>
-            </a:r>
-          </a:p>
-        </p:txBody>
-      </p:sp>
-      <p:sp>
-        <p:nvSpPr>
-          <p:cNvPr id="5" name="Footer Placeholder 4">
-            <a:extLst>
-              <a:ext uri="{FF2B5EF4-FFF2-40B4-BE49-F238E27FC236}">
-                <a16:creationId xmlns:a16="http://schemas.microsoft.com/office/drawing/2014/main" id="{3B7F2B59-7691-B773-270D-DB6784DCC8F1}"/>
-              </a:ext>
-            </a:extLst>
-          </p:cNvPr>
-          <p:cNvSpPr>
-            <a:spLocks noGrp="1"/>
-          </p:cNvSpPr>
-          <p:nvPr>
-            <p:ph type="ftr" sz="quarter" idx="19"/>
-          </p:nvPr>
-        </p:nvSpPr>
-        <p:spPr>
-          <a:xfrm>
-            <a:off x="7461174" y="6295058"/>
-            <a:ext cx="1339925" cy="323970"/>
-          </a:xfrm>
-        </p:spPr>
-        <p:txBody>
-          <a:bodyPr anchor="ctr">
-            <a:normAutofit/>
-          </a:bodyPr>
-          <a:lstStyle/>
-          <a:p>
-            <a:pPr algn="r">
-              <a:spcAft>
-                <a:spcPts val="600"/>
-              </a:spcAft>
-            </a:pPr>
-            <a:r>
-              <a:rPr lang="en-US" dirty="0"/>
-              <a:t>            5/7</a:t>
-            </a:r>
-            <a:endParaRPr lang="en-US"/>
-          </a:p>
-        </p:txBody>
-      </p:sp>
-    </p:spTree>
-    <p:extLst>
-      <p:ext uri="{BB962C8B-B14F-4D97-AF65-F5344CB8AC3E}">
-        <p14:creationId xmlns:p14="http://schemas.microsoft.com/office/powerpoint/2010/main" val="51928253"/>
-      </p:ext>
-    </p:extLst>
-  </p:cSld>
-  <p:clrMapOvr>
-    <a:masterClrMapping/>
-  </p:clrMapOvr>
-</p:sld>
-</file>
-
-<file path=ppt/slides/slide9.xml><?xml version="1.0" encoding="utf-8"?>
 <p:sld xmlns:a="http://schemas.openxmlformats.org/drawingml/2006/main" xmlns:r="http://schemas.openxmlformats.org/officeDocument/2006/relationships" xmlns:p="http://schemas.openxmlformats.org/presentationml/2006/main">
   <p:cSld>
     <p:spTree>
@@ -16188,7 +14682,7 @@
           <p:cNvPr id="2" name="Text Placeholder 1">
             <a:extLst>
               <a:ext uri="{FF2B5EF4-FFF2-40B4-BE49-F238E27FC236}">
-                <a16:creationId xmlns:a16="http://schemas.microsoft.com/office/drawing/2014/main" id="{81905E5B-1C3C-2790-CDD3-F7E06B7CF8D2}"/>
+                <a16:creationId xmlns:a16="http://schemas.microsoft.com/office/drawing/2014/main" id="{11B29CAD-3B43-3BC0-D2EC-A53874ABB884}"/>
               </a:ext>
             </a:extLst>
           </p:cNvPr>
@@ -16206,11 +14700,8 @@
           <a:p>
             <a:r>
               <a:rPr lang="en-US" dirty="0"/>
-              <a:t>Data capture + Battery System Only</a:t>
-            </a:r>
-          </a:p>
-          <a:p>
-            <a:endParaRPr lang="en-US" dirty="0"/>
+              <a:t>Blockers &amp; Next Week’s Work</a:t>
+            </a:r>
           </a:p>
         </p:txBody>
       </p:sp>
@@ -16219,7 +14710,7 @@
           <p:cNvPr id="3" name="Text Placeholder 2">
             <a:extLst>
               <a:ext uri="{FF2B5EF4-FFF2-40B4-BE49-F238E27FC236}">
-                <a16:creationId xmlns:a16="http://schemas.microsoft.com/office/drawing/2014/main" id="{F18A6011-4271-C46F-3312-E4F777911F56}"/>
+                <a16:creationId xmlns:a16="http://schemas.microsoft.com/office/drawing/2014/main" id="{A9F87380-04A3-DD16-EAB3-0921830BDF50}"/>
               </a:ext>
             </a:extLst>
           </p:cNvPr>
@@ -16241,7 +14732,7 @@
             </a:pPr>
             <a:r>
               <a:rPr lang="en-US" dirty="0"/>
-              <a:t>Version of Schematic with only battery system and data capture IC </a:t>
+              <a:t>Hear back on Resistive vs. Capacitive Sensors</a:t>
             </a:r>
           </a:p>
           <a:p>
@@ -16251,7 +14742,7 @@
             </a:pPr>
             <a:r>
               <a:rPr lang="en-US" dirty="0"/>
-              <a:t>System with fundamental capabilities to store data</a:t>
+              <a:t>Test PCBs</a:t>
             </a:r>
           </a:p>
           <a:p>
@@ -16261,7 +14752,7 @@
             </a:pPr>
             <a:r>
               <a:rPr lang="en-US" dirty="0"/>
-              <a:t>Later revisions will build off of this one and add the needed capabilities</a:t>
+              <a:t>Work on app store application for Nicla Sense while PCBs are being ordered</a:t>
             </a:r>
           </a:p>
         </p:txBody>
@@ -16271,7 +14762,7 @@
           <p:cNvPr id="4" name="Title 3">
             <a:extLst>
               <a:ext uri="{FF2B5EF4-FFF2-40B4-BE49-F238E27FC236}">
-                <a16:creationId xmlns:a16="http://schemas.microsoft.com/office/drawing/2014/main" id="{FFC3ED18-10B6-DE59-0E2D-7AD5FF45BBF4}"/>
+                <a16:creationId xmlns:a16="http://schemas.microsoft.com/office/drawing/2014/main" id="{47D02411-52BC-0A6C-B958-234593BB194F}"/>
               </a:ext>
             </a:extLst>
           </p:cNvPr>
@@ -16289,7 +14780,7 @@
           <a:p>
             <a:r>
               <a:rPr lang="en-US" dirty="0"/>
-              <a:t>Order Revision 1 (Baseline PCB)</a:t>
+              <a:t>Next Week</a:t>
             </a:r>
           </a:p>
         </p:txBody>
@@ -16299,7 +14790,7 @@
           <p:cNvPr id="5" name="Footer Placeholder 4">
             <a:extLst>
               <a:ext uri="{FF2B5EF4-FFF2-40B4-BE49-F238E27FC236}">
-                <a16:creationId xmlns:a16="http://schemas.microsoft.com/office/drawing/2014/main" id="{587EA68A-49F4-2BFF-0C8F-7A67826F99E1}"/>
+                <a16:creationId xmlns:a16="http://schemas.microsoft.com/office/drawing/2014/main" id="{51BAB307-58AA-C3F2-0BBB-500351B01F7A}"/>
               </a:ext>
             </a:extLst>
           </p:cNvPr>
@@ -16317,17 +14808,104 @@
           <a:p>
             <a:pPr algn="r"/>
             <a:r>
-              <a:rPr lang="en-US"/>
-              <a:t>3/31/23            ‹#›</a:t>
-            </a:r>
-            <a:endParaRPr lang="en-US" dirty="0"/>
+              <a:rPr lang="en-US" dirty="0"/>
+              <a:t>6/7</a:t>
+            </a:r>
           </a:p>
         </p:txBody>
       </p:sp>
     </p:spTree>
     <p:extLst>
       <p:ext uri="{BB962C8B-B14F-4D97-AF65-F5344CB8AC3E}">
-        <p14:creationId xmlns:p14="http://schemas.microsoft.com/office/powerpoint/2010/main" val="416166354"/>
+        <p14:creationId xmlns:p14="http://schemas.microsoft.com/office/powerpoint/2010/main" val="257444251"/>
+      </p:ext>
+    </p:extLst>
+  </p:cSld>
+  <p:clrMapOvr>
+    <a:masterClrMapping/>
+  </p:clrMapOvr>
+</p:sld>
+</file>
+
+<file path=ppt/slides/slide8.xml><?xml version="1.0" encoding="utf-8"?>
+<p:sld xmlns:a="http://schemas.openxmlformats.org/drawingml/2006/main" xmlns:r="http://schemas.openxmlformats.org/officeDocument/2006/relationships" xmlns:p="http://schemas.openxmlformats.org/presentationml/2006/main">
+  <p:cSld>
+    <p:spTree>
+      <p:nvGrpSpPr>
+        <p:cNvPr id="1" name=""/>
+        <p:cNvGrpSpPr/>
+        <p:nvPr/>
+      </p:nvGrpSpPr>
+      <p:grpSpPr>
+        <a:xfrm>
+          <a:off x="0" y="0"/>
+          <a:ext cx="0" cy="0"/>
+          <a:chOff x="0" y="0"/>
+          <a:chExt cx="0" cy="0"/>
+        </a:xfrm>
+      </p:grpSpPr>
+      <p:sp>
+        <p:nvSpPr>
+          <p:cNvPr id="2" name="Title 1">
+            <a:extLst>
+              <a:ext uri="{FF2B5EF4-FFF2-40B4-BE49-F238E27FC236}">
+                <a16:creationId xmlns:a16="http://schemas.microsoft.com/office/drawing/2014/main" id="{E4E72CBA-026F-7E96-546F-23B8813A83DA}"/>
+              </a:ext>
+            </a:extLst>
+          </p:cNvPr>
+          <p:cNvSpPr>
+            <a:spLocks noGrp="1"/>
+          </p:cNvSpPr>
+          <p:nvPr>
+            <p:ph type="title"/>
+          </p:nvPr>
+        </p:nvSpPr>
+        <p:spPr/>
+        <p:txBody>
+          <a:bodyPr/>
+          <a:lstStyle/>
+          <a:p>
+            <a:r>
+              <a:rPr lang="en-US" dirty="0"/>
+              <a:t>Thank You</a:t>
+            </a:r>
+          </a:p>
+        </p:txBody>
+      </p:sp>
+      <p:sp>
+        <p:nvSpPr>
+          <p:cNvPr id="3" name="Text Placeholder 2">
+            <a:extLst>
+              <a:ext uri="{FF2B5EF4-FFF2-40B4-BE49-F238E27FC236}">
+                <a16:creationId xmlns:a16="http://schemas.microsoft.com/office/drawing/2014/main" id="{CE8FBDCD-BC38-D4A8-A210-EA02F2610057}"/>
+              </a:ext>
+            </a:extLst>
+          </p:cNvPr>
+          <p:cNvSpPr>
+            <a:spLocks noGrp="1"/>
+          </p:cNvSpPr>
+          <p:nvPr>
+            <p:ph type="body" sz="quarter" idx="10"/>
+          </p:nvPr>
+        </p:nvSpPr>
+        <p:spPr/>
+        <p:txBody>
+          <a:bodyPr>
+            <a:normAutofit/>
+          </a:bodyPr>
+          <a:lstStyle/>
+          <a:p>
+            <a:r>
+              <a:rPr lang="en-US" dirty="0"/>
+              <a:t>Purdue Polytechnic Institute</a:t>
+            </a:r>
+          </a:p>
+        </p:txBody>
+      </p:sp>
+    </p:spTree>
+    <p:extLst>
+      <p:ext uri="{BB962C8B-B14F-4D97-AF65-F5344CB8AC3E}">
+        <p14:creationId xmlns:p14="http://schemas.microsoft.com/office/powerpoint/2010/main" val="3555266232"/>
       </p:ext>
     </p:extLst>
   </p:cSld>
@@ -16920,15 +15498,6 @@
 </file>
 
 <file path=customXml/item1.xml><?xml version="1.0" encoding="utf-8"?>
-<?mso-contentType ?>
-<FormTemplates xmlns="http://schemas.microsoft.com/sharepoint/v3/contenttype/forms">
-  <Display>DocumentLibraryForm</Display>
-  <Edit>DocumentLibraryForm</Edit>
-  <New>DocumentLibraryForm</New>
-</FormTemplates>
-</file>
-
-<file path=customXml/item2.xml><?xml version="1.0" encoding="utf-8"?>
 <p:properties xmlns:p="http://schemas.microsoft.com/office/2006/metadata/properties" xmlns:xsi="http://www.w3.org/2001/XMLSchema-instance" xmlns:pc="http://schemas.microsoft.com/office/infopath/2007/PartnerControls">
   <documentManagement>
     <SharedWithUsers xmlns="d6656b4d-3fa0-4709-acfb-d5e813445d1e">
@@ -16969,6 +15538,15 @@
     <TaxCatchAll xmlns="d6656b4d-3fa0-4709-acfb-d5e813445d1e" xsi:nil="true"/>
   </documentManagement>
 </p:properties>
+</file>
+
+<file path=customXml/item2.xml><?xml version="1.0" encoding="utf-8"?>
+<?mso-contentType ?>
+<FormTemplates xmlns="http://schemas.microsoft.com/sharepoint/v3/contenttype/forms">
+  <Display>DocumentLibraryForm</Display>
+  <Edit>DocumentLibraryForm</Edit>
+  <New>DocumentLibraryForm</New>
+</FormTemplates>
 </file>
 
 <file path=customXml/item3.xml><?xml version="1.0" encoding="utf-8"?>
@@ -17195,14 +15773,6 @@
 </file>
 
 <file path=customXml/itemProps1.xml><?xml version="1.0" encoding="utf-8"?>
-<ds:datastoreItem xmlns:ds="http://schemas.openxmlformats.org/officeDocument/2006/customXml" ds:itemID="{F5B64EEB-1B4A-4920-AA44-E234D7D487D1}">
-  <ds:schemaRefs>
-    <ds:schemaRef ds:uri="http://schemas.microsoft.com/sharepoint/v3/contenttype/forms"/>
-  </ds:schemaRefs>
-</ds:datastoreItem>
-</file>
-
-<file path=customXml/itemProps2.xml><?xml version="1.0" encoding="utf-8"?>
 <ds:datastoreItem xmlns:ds="http://schemas.openxmlformats.org/officeDocument/2006/customXml" ds:itemID="{21DE0D6C-581B-4814-98E7-EF172D5D46A1}">
   <ds:schemaRefs>
     <ds:schemaRef ds:uri="http://purl.org/dc/elements/1.1/"/>
@@ -17215,6 +15785,14 @@
     <ds:schemaRef ds:uri="http://schemas.microsoft.com/office/2006/metadata/properties"/>
     <ds:schemaRef ds:uri="http://www.w3.org/XML/1998/namespace"/>
     <ds:schemaRef ds:uri="http://purl.org/dc/dcmitype/"/>
+  </ds:schemaRefs>
+</ds:datastoreItem>
+</file>
+
+<file path=customXml/itemProps2.xml><?xml version="1.0" encoding="utf-8"?>
+<ds:datastoreItem xmlns:ds="http://schemas.openxmlformats.org/officeDocument/2006/customXml" ds:itemID="{F5B64EEB-1B4A-4920-AA44-E234D7D487D1}">
+  <ds:schemaRefs>
+    <ds:schemaRef ds:uri="http://schemas.microsoft.com/sharepoint/v3/contenttype/forms"/>
   </ds:schemaRefs>
 </ds:datastoreItem>
 </file>
